--- a/Presentation_Final_V3.pptx
+++ b/Presentation_Final_V3.pptx
@@ -177,10 +177,25 @@
   <pc:docChgLst>
     <pc:chgData name="Matt W" userId="d56c07f8ceb35907" providerId="LiveId" clId="{63053739-C14A-409C-8A28-EFF6209BC967}"/>
     <pc:docChg chg="undo redo custSel addSld delSld modSld sldOrd">
-      <pc:chgData name="Matt W" userId="d56c07f8ceb35907" providerId="LiveId" clId="{63053739-C14A-409C-8A28-EFF6209BC967}" dt="2024-08-17T12:30:36.237" v="2558" actId="1076"/>
+      <pc:chgData name="Matt W" userId="d56c07f8ceb35907" providerId="LiveId" clId="{63053739-C14A-409C-8A28-EFF6209BC967}" dt="2024-08-17T12:51:19.797" v="2778" actId="20577"/>
       <pc:docMkLst>
         <pc:docMk/>
       </pc:docMkLst>
+      <pc:sldChg chg="modSp mod">
+        <pc:chgData name="Matt W" userId="d56c07f8ceb35907" providerId="LiveId" clId="{63053739-C14A-409C-8A28-EFF6209BC967}" dt="2024-08-17T12:51:19.797" v="2778" actId="20577"/>
+        <pc:sldMkLst>
+          <pc:docMk/>
+          <pc:sldMk cId="79695288" sldId="380"/>
+        </pc:sldMkLst>
+        <pc:spChg chg="mod">
+          <ac:chgData name="Matt W" userId="d56c07f8ceb35907" providerId="LiveId" clId="{63053739-C14A-409C-8A28-EFF6209BC967}" dt="2024-08-17T12:51:19.797" v="2778" actId="20577"/>
+          <ac:spMkLst>
+            <pc:docMk/>
+            <pc:sldMk cId="79695288" sldId="380"/>
+            <ac:spMk id="3" creationId="{7D7CECA3-144C-CD4B-9246-81B4F2E65466}"/>
+          </ac:spMkLst>
+        </pc:spChg>
+      </pc:sldChg>
       <pc:sldChg chg="addSp delSp modSp mod">
         <pc:chgData name="Matt W" userId="d56c07f8ceb35907" providerId="LiveId" clId="{63053739-C14A-409C-8A28-EFF6209BC967}" dt="2024-08-17T12:05:34.188" v="337" actId="20577"/>
         <pc:sldMkLst>
@@ -17666,6 +17681,12 @@
             </a:r>
           </a:p>
           <a:p>
+            <a:r>
+              <a:rPr lang="en-US" dirty="0"/>
+              <a:t>The neural net model also comes with the drawback of a longer run time, not quite as long as the GBM but longer than the simpler models for lower accuracy.</a:t>
+            </a:r>
+          </a:p>
+          <a:p>
             <a:pPr marL="0" indent="0">
               <a:buNone/>
             </a:pPr>
@@ -24938,6 +24959,15 @@
 </file>
 
 <file path=customXml/item1.xml><?xml version="1.0" encoding="utf-8"?>
+<?mso-contentType ?>
+<FormTemplates xmlns="http://schemas.microsoft.com/sharepoint/v3/contenttype/forms">
+  <Display>DocumentLibraryForm</Display>
+  <Edit>DocumentLibraryForm</Edit>
+  <New>DocumentLibraryForm</New>
+</FormTemplates>
+</file>
+
+<file path=customXml/item2.xml><?xml version="1.0" encoding="utf-8"?>
 <ct:contentTypeSchema xmlns:ct="http://schemas.microsoft.com/office/2006/metadata/contentType" xmlns:ma="http://schemas.microsoft.com/office/2006/metadata/properties/metaAttributes" ct:_="" ma:_="" ma:contentTypeName="Document" ma:contentTypeID="0x01010079F111ED35F8CC479449609E8A0923A6" ma:contentTypeVersion="28" ma:contentTypeDescription="Create a new document." ma:contentTypeScope="" ma:versionID="60f5a4f2d2b0abadcf532d48ebf9cb71">
   <xsd:schema xmlns:xsd="http://www.w3.org/2001/XMLSchema" xmlns:xs="http://www.w3.org/2001/XMLSchema" xmlns:p="http://schemas.microsoft.com/office/2006/metadata/properties" xmlns:ns1="http://schemas.microsoft.com/sharepoint/v3" xmlns:ns2="71af3243-3dd4-4a8d-8c0d-dd76da1f02a5" xmlns:ns3="16c05727-aa75-4e4a-9b5f-8a80a1165891" xmlns:ns4="230e9df3-be65-4c73-a93b-d1236ebd677e" targetNamespace="http://schemas.microsoft.com/office/2006/metadata/properties" ma:root="true" ma:fieldsID="7dd78129e6a1811f84807ad11c651531" ns1:_="" ns2:_="" ns3:_="" ns4:_="">
     <xsd:import namespace="http://schemas.microsoft.com/sharepoint/v3"/>
@@ -25249,15 +25279,6 @@
 </ct:contentTypeSchema>
 </file>
 
-<file path=customXml/item2.xml><?xml version="1.0" encoding="utf-8"?>
-<?mso-contentType ?>
-<FormTemplates xmlns="http://schemas.microsoft.com/sharepoint/v3/contenttype/forms">
-  <Display>DocumentLibraryForm</Display>
-  <Edit>DocumentLibraryForm</Edit>
-  <New>DocumentLibraryForm</New>
-</FormTemplates>
-</file>
-
 <file path=customXml/item3.xml><?xml version="1.0" encoding="utf-8"?>
 <p:properties xmlns:p="http://schemas.microsoft.com/office/2006/metadata/properties" xmlns:xsi="http://www.w3.org/2001/XMLSchema-instance" xmlns:pc="http://schemas.microsoft.com/office/infopath/2007/PartnerControls">
   <documentManagement>
@@ -25279,6 +25300,14 @@
 </file>
 
 <file path=customXml/itemProps1.xml><?xml version="1.0" encoding="utf-8"?>
+<ds:datastoreItem xmlns:ds="http://schemas.openxmlformats.org/officeDocument/2006/customXml" ds:itemID="{44137456-21FC-4AE2-8A94-BF06CAF2EB9B}">
+  <ds:schemaRefs>
+    <ds:schemaRef ds:uri="http://schemas.microsoft.com/sharepoint/v3/contenttype/forms"/>
+  </ds:schemaRefs>
+</ds:datastoreItem>
+</file>
+
+<file path=customXml/itemProps2.xml><?xml version="1.0" encoding="utf-8"?>
 <ds:datastoreItem xmlns:ds="http://schemas.openxmlformats.org/officeDocument/2006/customXml" ds:itemID="{C77B561B-3A65-4A22-9691-EB838E7F9B87}">
   <ds:schemaRefs>
     <ds:schemaRef ds:uri="http://schemas.microsoft.com/office/2006/metadata/contentType"/>
@@ -25295,14 +25324,6 @@
     <ds:schemaRef ds:uri="http://purl.org/dc/elements/1.1/"/>
     <ds:schemaRef ds:uri="http://purl.org/dc/terms/"/>
     <ds:schemaRef ds:uri="http://schemas.microsoft.com/internal/obd"/>
-  </ds:schemaRefs>
-</ds:datastoreItem>
-</file>
-
-<file path=customXml/itemProps2.xml><?xml version="1.0" encoding="utf-8"?>
-<ds:datastoreItem xmlns:ds="http://schemas.openxmlformats.org/officeDocument/2006/customXml" ds:itemID="{44137456-21FC-4AE2-8A94-BF06CAF2EB9B}">
-  <ds:schemaRefs>
-    <ds:schemaRef ds:uri="http://schemas.microsoft.com/sharepoint/v3/contenttype/forms"/>
   </ds:schemaRefs>
 </ds:datastoreItem>
 </file>

--- a/Presentation_Final_V3.pptx
+++ b/Presentation_Final_V3.pptx
@@ -5,10 +5,10 @@
     <p:sldMasterId id="2147483648" r:id="rId4"/>
   </p:sldMasterIdLst>
   <p:notesMasterIdLst>
-    <p:notesMasterId r:id="rId32"/>
+    <p:notesMasterId r:id="rId33"/>
   </p:notesMasterIdLst>
   <p:handoutMasterIdLst>
-    <p:handoutMasterId r:id="rId33"/>
+    <p:handoutMasterId r:id="rId34"/>
   </p:handoutMasterIdLst>
   <p:sldIdLst>
     <p:sldId id="342" r:id="rId5"/>
@@ -26,18 +26,19 @@
     <p:sldId id="389" r:id="rId17"/>
     <p:sldId id="398" r:id="rId18"/>
     <p:sldId id="397" r:id="rId19"/>
-    <p:sldId id="391" r:id="rId20"/>
-    <p:sldId id="396" r:id="rId21"/>
-    <p:sldId id="392" r:id="rId22"/>
-    <p:sldId id="407" r:id="rId23"/>
-    <p:sldId id="410" r:id="rId24"/>
-    <p:sldId id="409" r:id="rId25"/>
-    <p:sldId id="408" r:id="rId26"/>
-    <p:sldId id="393" r:id="rId27"/>
-    <p:sldId id="379" r:id="rId28"/>
-    <p:sldId id="380" r:id="rId29"/>
-    <p:sldId id="394" r:id="rId30"/>
-    <p:sldId id="372" r:id="rId31"/>
+    <p:sldId id="411" r:id="rId20"/>
+    <p:sldId id="391" r:id="rId21"/>
+    <p:sldId id="396" r:id="rId22"/>
+    <p:sldId id="392" r:id="rId23"/>
+    <p:sldId id="407" r:id="rId24"/>
+    <p:sldId id="410" r:id="rId25"/>
+    <p:sldId id="409" r:id="rId26"/>
+    <p:sldId id="408" r:id="rId27"/>
+    <p:sldId id="393" r:id="rId28"/>
+    <p:sldId id="379" r:id="rId29"/>
+    <p:sldId id="380" r:id="rId30"/>
+    <p:sldId id="394" r:id="rId31"/>
+    <p:sldId id="372" r:id="rId32"/>
   </p:sldIdLst>
   <p:sldSz cx="12192000" cy="6858000"/>
   <p:notesSz cx="6858000" cy="9144000"/>
@@ -1043,289 +1044,6 @@
           <a:bodyPr/>
           <a:lstStyle/>
           <a:p>
-            <a:r>
-              <a:rPr lang="en-US" dirty="0"/>
-              <a:t>Ensemble methods like GBM can improve on accuracy over single models, since they combine outputs from multiple models. GBM’s may be advantageous over models like logistic regression because they do not assume linearity and are robust to correlated features and feature interactions. </a:t>
-            </a:r>
-          </a:p>
-          <a:p>
-            <a:endParaRPr lang="en-US" dirty="0"/>
-          </a:p>
-          <a:p>
-            <a:r>
-              <a:rPr lang="en-US" b="0" i="0" u="none" strike="noStrike" dirty="0" err="1">
-                <a:solidFill>
-                  <a:srgbClr val="9AA4E7"/>
-                </a:solidFill>
-                <a:effectLst/>
-                <a:highlight>
-                  <a:srgbClr val="111213"/>
-                </a:highlight>
-                <a:latin typeface="IBM Plex Sans" panose="020B0503050203000203" pitchFamily="34" charset="0"/>
-                <a:hlinkClick r:id="rId3"/>
-              </a:rPr>
-              <a:t>XGBoost</a:t>
-            </a:r>
-            <a:r>
-              <a:rPr lang="en-US" b="0" i="0" u="none" strike="noStrike" dirty="0">
-                <a:solidFill>
-                  <a:srgbClr val="9AA4E7"/>
-                </a:solidFill>
-                <a:effectLst/>
-                <a:highlight>
-                  <a:srgbClr val="111213"/>
-                </a:highlight>
-                <a:latin typeface="IBM Plex Sans" panose="020B0503050203000203" pitchFamily="34" charset="0"/>
-                <a:hlinkClick r:id="rId3"/>
-              </a:rPr>
-              <a:t> </a:t>
-            </a:r>
-            <a:r>
-              <a:rPr lang="en-US" b="0" i="0" dirty="0">
-                <a:solidFill>
-                  <a:srgbClr val="BABEC3"/>
-                </a:solidFill>
-                <a:effectLst/>
-                <a:highlight>
-                  <a:srgbClr val="111213"/>
-                </a:highlight>
-                <a:latin typeface="IBM Plex Sans" panose="020B0503050203000203" pitchFamily="34" charset="0"/>
-              </a:rPr>
-              <a:t>(</a:t>
-            </a:r>
-            <a:r>
-              <a:rPr lang="en-US" b="0" i="0" dirty="0" err="1">
-                <a:solidFill>
-                  <a:srgbClr val="BABEC3"/>
-                </a:solidFill>
-                <a:effectLst/>
-                <a:highlight>
-                  <a:srgbClr val="111213"/>
-                </a:highlight>
-                <a:latin typeface="IBM Plex Sans" panose="020B0503050203000203" pitchFamily="34" charset="0"/>
-              </a:rPr>
-              <a:t>eXtreme</a:t>
-            </a:r>
-            <a:r>
-              <a:rPr lang="en-US" b="0" i="0" dirty="0">
-                <a:solidFill>
-                  <a:srgbClr val="BABEC3"/>
-                </a:solidFill>
-                <a:effectLst/>
-                <a:highlight>
-                  <a:srgbClr val="111213"/>
-                </a:highlight>
-                <a:latin typeface="IBM Plex Sans" panose="020B0503050203000203" pitchFamily="34" charset="0"/>
-              </a:rPr>
-              <a:t> Gradient Boosting) is a machine learning algorithm that focuses on computation speed and model performance. It builds trees in level by level and in parallel.</a:t>
-            </a:r>
-          </a:p>
-          <a:p>
-            <a:endParaRPr lang="en-US" dirty="0"/>
-          </a:p>
-          <a:p>
-            <a:r>
-              <a:rPr lang="en-US" b="0" i="0" dirty="0">
-                <a:solidFill>
-                  <a:srgbClr val="BABEC3"/>
-                </a:solidFill>
-                <a:effectLst/>
-                <a:highlight>
-                  <a:srgbClr val="111213"/>
-                </a:highlight>
-                <a:latin typeface="IBM Plex Sans" panose="020B0503050203000203" pitchFamily="34" charset="0"/>
-              </a:rPr>
-              <a:t> </a:t>
-            </a:r>
-            <a:r>
-              <a:rPr lang="en-US" b="0" i="0" dirty="0" err="1">
-                <a:solidFill>
-                  <a:srgbClr val="BABEC3"/>
-                </a:solidFill>
-                <a:effectLst/>
-                <a:highlight>
-                  <a:srgbClr val="111213"/>
-                </a:highlight>
-                <a:latin typeface="IBM Plex Sans" panose="020B0503050203000203" pitchFamily="34" charset="0"/>
-              </a:rPr>
-              <a:t>LightGBM</a:t>
-            </a:r>
-            <a:r>
-              <a:rPr lang="en-US" b="0" i="0" dirty="0">
-                <a:solidFill>
-                  <a:srgbClr val="BABEC3"/>
-                </a:solidFill>
-                <a:effectLst/>
-                <a:highlight>
-                  <a:srgbClr val="111213"/>
-                </a:highlight>
-                <a:latin typeface="IBM Plex Sans" panose="020B0503050203000203" pitchFamily="34" charset="0"/>
-              </a:rPr>
-              <a:t> carries out leaf-wise (vertical) growth that results in more loss reduction and in turn higher accuracy while being faster. But this may also result in overfitting on the training data which could be handled using the max-depth parameter that specifies where the splitting would occur. Hence, </a:t>
-            </a:r>
-            <a:r>
-              <a:rPr lang="en-US" b="0" i="0" dirty="0" err="1">
-                <a:solidFill>
-                  <a:srgbClr val="BABEC3"/>
-                </a:solidFill>
-                <a:effectLst/>
-                <a:highlight>
-                  <a:srgbClr val="111213"/>
-                </a:highlight>
-                <a:latin typeface="IBM Plex Sans" panose="020B0503050203000203" pitchFamily="34" charset="0"/>
-              </a:rPr>
-              <a:t>XGBoost</a:t>
-            </a:r>
-            <a:r>
-              <a:rPr lang="en-US" b="0" i="0" dirty="0">
-                <a:solidFill>
-                  <a:srgbClr val="BABEC3"/>
-                </a:solidFill>
-                <a:effectLst/>
-                <a:highlight>
-                  <a:srgbClr val="111213"/>
-                </a:highlight>
-                <a:latin typeface="IBM Plex Sans" panose="020B0503050203000203" pitchFamily="34" charset="0"/>
-              </a:rPr>
-              <a:t> is capable of building more robust models than </a:t>
-            </a:r>
-            <a:r>
-              <a:rPr lang="en-US" b="0" i="0" dirty="0" err="1">
-                <a:solidFill>
-                  <a:srgbClr val="BABEC3"/>
-                </a:solidFill>
-                <a:effectLst/>
-                <a:highlight>
-                  <a:srgbClr val="111213"/>
-                </a:highlight>
-                <a:latin typeface="IBM Plex Sans" panose="020B0503050203000203" pitchFamily="34" charset="0"/>
-              </a:rPr>
-              <a:t>LightGBM</a:t>
-            </a:r>
-            <a:r>
-              <a:rPr lang="en-US" b="0" i="0" dirty="0">
-                <a:solidFill>
-                  <a:srgbClr val="BABEC3"/>
-                </a:solidFill>
-                <a:effectLst/>
-                <a:highlight>
-                  <a:srgbClr val="111213"/>
-                </a:highlight>
-                <a:latin typeface="IBM Plex Sans" panose="020B0503050203000203" pitchFamily="34" charset="0"/>
-              </a:rPr>
-              <a:t>.</a:t>
-            </a:r>
-          </a:p>
-          <a:p>
-            <a:endParaRPr lang="en-US" b="0" i="0" dirty="0">
-              <a:solidFill>
-                <a:srgbClr val="BABEC3"/>
-              </a:solidFill>
-              <a:effectLst/>
-              <a:highlight>
-                <a:srgbClr val="111213"/>
-              </a:highlight>
-              <a:latin typeface="IBM Plex Sans" panose="020B0503050203000203" pitchFamily="34" charset="0"/>
-            </a:endParaRPr>
-          </a:p>
-          <a:p>
-            <a:endParaRPr lang="en-US" dirty="0"/>
-          </a:p>
-          <a:p>
-            <a:r>
-              <a:rPr lang="en-US" b="0" i="0" dirty="0">
-                <a:solidFill>
-                  <a:srgbClr val="BABEC3"/>
-                </a:solidFill>
-                <a:effectLst/>
-                <a:highlight>
-                  <a:srgbClr val="111213"/>
-                </a:highlight>
-                <a:latin typeface="IBM Plex Sans" panose="020F0502020204030204" pitchFamily="34" charset="0"/>
-              </a:rPr>
-              <a:t> </a:t>
-            </a:r>
-            <a:r>
-              <a:rPr lang="en-US" b="0" i="0" dirty="0" err="1">
-                <a:solidFill>
-                  <a:srgbClr val="BABEC3"/>
-                </a:solidFill>
-                <a:effectLst/>
-                <a:highlight>
-                  <a:srgbClr val="111213"/>
-                </a:highlight>
-                <a:latin typeface="IBM Plex Sans" panose="020F0502020204030204" pitchFamily="34" charset="0"/>
-              </a:rPr>
-              <a:t>CatBoost</a:t>
-            </a:r>
-            <a:r>
-              <a:rPr lang="en-US" b="0" i="0" dirty="0">
-                <a:solidFill>
-                  <a:srgbClr val="BABEC3"/>
-                </a:solidFill>
-                <a:effectLst/>
-                <a:highlight>
-                  <a:srgbClr val="111213"/>
-                </a:highlight>
-                <a:latin typeface="IBM Plex Sans" panose="020F0502020204030204" pitchFamily="34" charset="0"/>
-              </a:rPr>
-              <a:t> builds symmetric (balanced) trees, unlike </a:t>
-            </a:r>
-            <a:r>
-              <a:rPr lang="en-US" b="0" i="0" dirty="0" err="1">
-                <a:solidFill>
-                  <a:srgbClr val="BABEC3"/>
-                </a:solidFill>
-                <a:effectLst/>
-                <a:highlight>
-                  <a:srgbClr val="111213"/>
-                </a:highlight>
-                <a:latin typeface="IBM Plex Sans" panose="020F0502020204030204" pitchFamily="34" charset="0"/>
-              </a:rPr>
-              <a:t>XGBoost</a:t>
-            </a:r>
-            <a:r>
-              <a:rPr lang="en-US" b="0" i="0" dirty="0">
-                <a:solidFill>
-                  <a:srgbClr val="BABEC3"/>
-                </a:solidFill>
-                <a:effectLst/>
-                <a:highlight>
-                  <a:srgbClr val="111213"/>
-                </a:highlight>
-                <a:latin typeface="IBM Plex Sans" panose="020F0502020204030204" pitchFamily="34" charset="0"/>
-              </a:rPr>
-              <a:t> and </a:t>
-            </a:r>
-            <a:r>
-              <a:rPr lang="en-US" b="0" i="0" dirty="0" err="1">
-                <a:solidFill>
-                  <a:srgbClr val="BABEC3"/>
-                </a:solidFill>
-                <a:effectLst/>
-                <a:highlight>
-                  <a:srgbClr val="111213"/>
-                </a:highlight>
-                <a:latin typeface="IBM Plex Sans" panose="020F0502020204030204" pitchFamily="34" charset="0"/>
-              </a:rPr>
-              <a:t>LightGBM</a:t>
-            </a:r>
-            <a:r>
-              <a:rPr lang="en-US" b="0" i="0" dirty="0">
-                <a:solidFill>
-                  <a:srgbClr val="BABEC3"/>
-                </a:solidFill>
-                <a:effectLst/>
-                <a:highlight>
-                  <a:srgbClr val="111213"/>
-                </a:highlight>
-                <a:latin typeface="IBM Plex Sans" panose="020F0502020204030204" pitchFamily="34" charset="0"/>
-              </a:rPr>
-              <a:t>. In every step, leaves from the previous tree are split using the same condition. The feature-split pair that accounts for the lowest loss is selected and used for all the level’s nodes. This balanced tree architecture aids in efficient CPU implementation, decreases prediction time, makes swift model appliers, and controls overfitting as the structure serves as regularization. </a:t>
-            </a:r>
-            <a:endParaRPr lang="en-US" dirty="0"/>
-          </a:p>
-          <a:p>
             <a:endParaRPr lang="en-US" dirty="0"/>
           </a:p>
         </p:txBody>
@@ -1356,7 +1074,7 @@
     </p:spTree>
     <p:extLst>
       <p:ext uri="{BB962C8B-B14F-4D97-AF65-F5344CB8AC3E}">
-        <p14:creationId xmlns:p14="http://schemas.microsoft.com/office/powerpoint/2010/main" val="4057052497"/>
+        <p14:creationId xmlns:p14="http://schemas.microsoft.com/office/powerpoint/2010/main" val="135168943"/>
       </p:ext>
     </p:extLst>
   </p:cSld>
@@ -1411,87 +1129,289 @@
           <a:lstStyle/>
           <a:p>
             <a:r>
-              <a:rPr lang="en-US" dirty="0">
-                <a:cs typeface="Calibri"/>
+              <a:rPr lang="en-US" dirty="0"/>
+              <a:t>Ensemble methods like GBM can improve on accuracy over single models, since they combine outputs from multiple models. GBM’s may be advantageous over models like logistic regression because they do not assume linearity and are robust to correlated features and feature interactions. </a:t>
+            </a:r>
+          </a:p>
+          <a:p>
+            <a:endParaRPr lang="en-US" dirty="0"/>
+          </a:p>
+          <a:p>
+            <a:r>
+              <a:rPr lang="en-US" b="0" i="0" u="none" strike="noStrike" dirty="0" err="1">
+                <a:solidFill>
+                  <a:srgbClr val="9AA4E7"/>
+                </a:solidFill>
+                <a:effectLst/>
+                <a:highlight>
+                  <a:srgbClr val="111213"/>
+                </a:highlight>
+                <a:latin typeface="IBM Plex Sans" panose="020B0503050203000203" pitchFamily="34" charset="0"/>
+                <a:hlinkClick r:id="rId3"/>
               </a:rPr>
-              <a:t>One key reason </a:t>
-            </a:r>
-            <a:r>
-              <a:rPr lang="en-US" dirty="0" err="1">
-                <a:cs typeface="Calibri"/>
+              <a:t>XGBoost</a:t>
+            </a:r>
+            <a:r>
+              <a:rPr lang="en-US" b="0" i="0" u="none" strike="noStrike" dirty="0">
+                <a:solidFill>
+                  <a:srgbClr val="9AA4E7"/>
+                </a:solidFill>
+                <a:effectLst/>
+                <a:highlight>
+                  <a:srgbClr val="111213"/>
+                </a:highlight>
+                <a:latin typeface="IBM Plex Sans" panose="020B0503050203000203" pitchFamily="34" charset="0"/>
+                <a:hlinkClick r:id="rId3"/>
               </a:rPr>
-              <a:t>Catboost</a:t>
-            </a:r>
-            <a:r>
-              <a:rPr lang="en-US" dirty="0">
-                <a:cs typeface="Calibri"/>
+              <a:t> </a:t>
+            </a:r>
+            <a:r>
+              <a:rPr lang="en-US" b="0" i="0" dirty="0">
+                <a:solidFill>
+                  <a:srgbClr val="BABEC3"/>
+                </a:solidFill>
+                <a:effectLst/>
+                <a:highlight>
+                  <a:srgbClr val="111213"/>
+                </a:highlight>
+                <a:latin typeface="IBM Plex Sans" panose="020B0503050203000203" pitchFamily="34" charset="0"/>
               </a:rPr>
-              <a:t> tends to perform better than other methods like </a:t>
-            </a:r>
-            <a:r>
-              <a:rPr lang="en-US" dirty="0" err="1">
-                <a:cs typeface="Calibri"/>
+              <a:t>(</a:t>
+            </a:r>
+            <a:r>
+              <a:rPr lang="en-US" b="0" i="0" dirty="0" err="1">
+                <a:solidFill>
+                  <a:srgbClr val="BABEC3"/>
+                </a:solidFill>
+                <a:effectLst/>
+                <a:highlight>
+                  <a:srgbClr val="111213"/>
+                </a:highlight>
+                <a:latin typeface="IBM Plex Sans" panose="020B0503050203000203" pitchFamily="34" charset="0"/>
               </a:rPr>
-              <a:t>lgbm</a:t>
-            </a:r>
-            <a:r>
-              <a:rPr lang="en-US" dirty="0">
-                <a:cs typeface="Calibri"/>
+              <a:t>eXtreme</a:t>
+            </a:r>
+            <a:r>
+              <a:rPr lang="en-US" b="0" i="0" dirty="0">
+                <a:solidFill>
+                  <a:srgbClr val="BABEC3"/>
+                </a:solidFill>
+                <a:effectLst/>
+                <a:highlight>
+                  <a:srgbClr val="111213"/>
+                </a:highlight>
+                <a:latin typeface="IBM Plex Sans" panose="020B0503050203000203" pitchFamily="34" charset="0"/>
+              </a:rPr>
+              <a:t> Gradient Boosting) is a machine learning algorithm that focuses on computation speed and model performance. It builds trees in level by level and in parallel.</a:t>
+            </a:r>
+          </a:p>
+          <a:p>
+            <a:endParaRPr lang="en-US" dirty="0"/>
+          </a:p>
+          <a:p>
+            <a:r>
+              <a:rPr lang="en-US" b="0" i="0" dirty="0">
+                <a:solidFill>
+                  <a:srgbClr val="BABEC3"/>
+                </a:solidFill>
+                <a:effectLst/>
+                <a:highlight>
+                  <a:srgbClr val="111213"/>
+                </a:highlight>
+                <a:latin typeface="IBM Plex Sans" panose="020B0503050203000203" pitchFamily="34" charset="0"/>
+              </a:rPr>
+              <a:t> </a:t>
+            </a:r>
+            <a:r>
+              <a:rPr lang="en-US" b="0" i="0" dirty="0" err="1">
+                <a:solidFill>
+                  <a:srgbClr val="BABEC3"/>
+                </a:solidFill>
+                <a:effectLst/>
+                <a:highlight>
+                  <a:srgbClr val="111213"/>
+                </a:highlight>
+                <a:latin typeface="IBM Plex Sans" panose="020B0503050203000203" pitchFamily="34" charset="0"/>
+              </a:rPr>
+              <a:t>LightGBM</a:t>
+            </a:r>
+            <a:r>
+              <a:rPr lang="en-US" b="0" i="0" dirty="0">
+                <a:solidFill>
+                  <a:srgbClr val="BABEC3"/>
+                </a:solidFill>
+                <a:effectLst/>
+                <a:highlight>
+                  <a:srgbClr val="111213"/>
+                </a:highlight>
+                <a:latin typeface="IBM Plex Sans" panose="020B0503050203000203" pitchFamily="34" charset="0"/>
+              </a:rPr>
+              <a:t> carries out leaf-wise (vertical) growth that results in more loss reduction and in turn higher accuracy while being faster. But this may also result in overfitting on the training data which could be handled using the max-depth parameter that specifies where the splitting would occur. Hence, </a:t>
+            </a:r>
+            <a:r>
+              <a:rPr lang="en-US" b="0" i="0" dirty="0" err="1">
+                <a:solidFill>
+                  <a:srgbClr val="BABEC3"/>
+                </a:solidFill>
+                <a:effectLst/>
+                <a:highlight>
+                  <a:srgbClr val="111213"/>
+                </a:highlight>
+                <a:latin typeface="IBM Plex Sans" panose="020B0503050203000203" pitchFamily="34" charset="0"/>
+              </a:rPr>
+              <a:t>XGBoost</a:t>
+            </a:r>
+            <a:r>
+              <a:rPr lang="en-US" b="0" i="0" dirty="0">
+                <a:solidFill>
+                  <a:srgbClr val="BABEC3"/>
+                </a:solidFill>
+                <a:effectLst/>
+                <a:highlight>
+                  <a:srgbClr val="111213"/>
+                </a:highlight>
+                <a:latin typeface="IBM Plex Sans" panose="020B0503050203000203" pitchFamily="34" charset="0"/>
+              </a:rPr>
+              <a:t> is capable of building more robust models than </a:t>
+            </a:r>
+            <a:r>
+              <a:rPr lang="en-US" b="0" i="0" dirty="0" err="1">
+                <a:solidFill>
+                  <a:srgbClr val="BABEC3"/>
+                </a:solidFill>
+                <a:effectLst/>
+                <a:highlight>
+                  <a:srgbClr val="111213"/>
+                </a:highlight>
+                <a:latin typeface="IBM Plex Sans" panose="020B0503050203000203" pitchFamily="34" charset="0"/>
+              </a:rPr>
+              <a:t>LightGBM</a:t>
+            </a:r>
+            <a:r>
+              <a:rPr lang="en-US" b="0" i="0" dirty="0">
+                <a:solidFill>
+                  <a:srgbClr val="BABEC3"/>
+                </a:solidFill>
+                <a:effectLst/>
+                <a:highlight>
+                  <a:srgbClr val="111213"/>
+                </a:highlight>
+                <a:latin typeface="IBM Plex Sans" panose="020B0503050203000203" pitchFamily="34" charset="0"/>
+              </a:rPr>
+              <a:t>.</a:t>
+            </a:r>
+          </a:p>
+          <a:p>
+            <a:endParaRPr lang="en-US" b="0" i="0" dirty="0">
+              <a:solidFill>
+                <a:srgbClr val="BABEC3"/>
+              </a:solidFill>
+              <a:effectLst/>
+              <a:highlight>
+                <a:srgbClr val="111213"/>
+              </a:highlight>
+              <a:latin typeface="IBM Plex Sans" panose="020B0503050203000203" pitchFamily="34" charset="0"/>
+            </a:endParaRPr>
+          </a:p>
+          <a:p>
+            <a:endParaRPr lang="en-US" dirty="0"/>
+          </a:p>
+          <a:p>
+            <a:r>
+              <a:rPr lang="en-US" b="0" i="0" dirty="0">
+                <a:solidFill>
+                  <a:srgbClr val="BABEC3"/>
+                </a:solidFill>
+                <a:effectLst/>
+                <a:highlight>
+                  <a:srgbClr val="111213"/>
+                </a:highlight>
+                <a:latin typeface="IBM Plex Sans" panose="020F0502020204030204" pitchFamily="34" charset="0"/>
+              </a:rPr>
+              <a:t> </a:t>
+            </a:r>
+            <a:r>
+              <a:rPr lang="en-US" b="0" i="0" dirty="0" err="1">
+                <a:solidFill>
+                  <a:srgbClr val="BABEC3"/>
+                </a:solidFill>
+                <a:effectLst/>
+                <a:highlight>
+                  <a:srgbClr val="111213"/>
+                </a:highlight>
+                <a:latin typeface="IBM Plex Sans" panose="020F0502020204030204" pitchFamily="34" charset="0"/>
+              </a:rPr>
+              <a:t>CatBoost</a:t>
+            </a:r>
+            <a:r>
+              <a:rPr lang="en-US" b="0" i="0" dirty="0">
+                <a:solidFill>
+                  <a:srgbClr val="BABEC3"/>
+                </a:solidFill>
+                <a:effectLst/>
+                <a:highlight>
+                  <a:srgbClr val="111213"/>
+                </a:highlight>
+                <a:latin typeface="IBM Plex Sans" panose="020F0502020204030204" pitchFamily="34" charset="0"/>
+              </a:rPr>
+              <a:t> builds symmetric (balanced) trees, unlike </a:t>
+            </a:r>
+            <a:r>
+              <a:rPr lang="en-US" b="0" i="0" dirty="0" err="1">
+                <a:solidFill>
+                  <a:srgbClr val="BABEC3"/>
+                </a:solidFill>
+                <a:effectLst/>
+                <a:highlight>
+                  <a:srgbClr val="111213"/>
+                </a:highlight>
+                <a:latin typeface="IBM Plex Sans" panose="020F0502020204030204" pitchFamily="34" charset="0"/>
+              </a:rPr>
+              <a:t>XGBoost</a:t>
+            </a:r>
+            <a:r>
+              <a:rPr lang="en-US" b="0" i="0" dirty="0">
+                <a:solidFill>
+                  <a:srgbClr val="BABEC3"/>
+                </a:solidFill>
+                <a:effectLst/>
+                <a:highlight>
+                  <a:srgbClr val="111213"/>
+                </a:highlight>
+                <a:latin typeface="IBM Plex Sans" panose="020F0502020204030204" pitchFamily="34" charset="0"/>
               </a:rPr>
               <a:t> and </a:t>
             </a:r>
             <a:r>
-              <a:rPr lang="en-US" dirty="0" err="1">
-                <a:cs typeface="Calibri"/>
+              <a:rPr lang="en-US" b="0" i="0" dirty="0" err="1">
+                <a:solidFill>
+                  <a:srgbClr val="BABEC3"/>
+                </a:solidFill>
+                <a:effectLst/>
+                <a:highlight>
+                  <a:srgbClr val="111213"/>
+                </a:highlight>
+                <a:latin typeface="IBM Plex Sans" panose="020F0502020204030204" pitchFamily="34" charset="0"/>
               </a:rPr>
-              <a:t>xgboost</a:t>
-            </a:r>
-            <a:r>
-              <a:rPr lang="en-US" dirty="0">
-                <a:cs typeface="Calibri"/>
+              <a:t>LightGBM</a:t>
+            </a:r>
+            <a:r>
+              <a:rPr lang="en-US" b="0" i="0" dirty="0">
+                <a:solidFill>
+                  <a:srgbClr val="BABEC3"/>
+                </a:solidFill>
+                <a:effectLst/>
+                <a:highlight>
+                  <a:srgbClr val="111213"/>
+                </a:highlight>
+                <a:latin typeface="IBM Plex Sans" panose="020F0502020204030204" pitchFamily="34" charset="0"/>
               </a:rPr>
-              <a:t> is that is uses Shapley Additive Values( SHAP) for feature selection.</a:t>
-            </a:r>
-          </a:p>
-          <a:p>
-            <a:r>
-              <a:rPr lang="en-US" dirty="0"/>
-              <a:t> </a:t>
-            </a:r>
-            <a:r>
-              <a:rPr lang="en-US" dirty="0" err="1"/>
-              <a:t>CatBoost</a:t>
-            </a:r>
-            <a:r>
-              <a:rPr lang="en-US" dirty="0"/>
-              <a:t> uses </a:t>
-            </a:r>
-            <a:r>
-              <a:rPr lang="en-US" b="1" dirty="0">
-                <a:hlinkClick r:id="rId3"/>
-              </a:rPr>
-              <a:t>SHAP</a:t>
-            </a:r>
-            <a:r>
-              <a:rPr lang="en-US" dirty="0"/>
-              <a:t> (</a:t>
-            </a:r>
-            <a:r>
-              <a:rPr lang="en-US" dirty="0" err="1"/>
-              <a:t>SHapley</a:t>
-            </a:r>
-            <a:r>
-              <a:rPr lang="en-US" dirty="0"/>
-              <a:t> Additive </a:t>
-            </a:r>
-            <a:r>
-              <a:rPr lang="en-US" dirty="0" err="1"/>
-              <a:t>exPlanations</a:t>
-            </a:r>
-            <a:r>
-              <a:rPr lang="en-US" dirty="0"/>
-              <a:t>) to break a prediction value into contributions from each feature. It calculates feature importance by measuring the impact of a feature on a single prediction value compared to the baseline prediction. </a:t>
-            </a:r>
+              <a:t>. In every step, leaves from the previous tree are split using the same condition. The feature-split pair that accounts for the lowest loss is selected and used for all the level’s nodes. This balanced tree architecture aids in efficient CPU implementation, decreases prediction time, makes swift model appliers, and controls overfitting as the structure serves as regularization. </a:t>
+            </a:r>
+            <a:endParaRPr lang="en-US" dirty="0"/>
+          </a:p>
+          <a:p>
+            <a:endParaRPr lang="en-US" dirty="0"/>
           </a:p>
         </p:txBody>
       </p:sp>
@@ -1521,7 +1441,7 @@
     </p:spTree>
     <p:extLst>
       <p:ext uri="{BB962C8B-B14F-4D97-AF65-F5344CB8AC3E}">
-        <p14:creationId xmlns:p14="http://schemas.microsoft.com/office/powerpoint/2010/main" val="3095289902"/>
+        <p14:creationId xmlns:p14="http://schemas.microsoft.com/office/powerpoint/2010/main" val="4057052497"/>
       </p:ext>
     </p:extLst>
   </p:cSld>
@@ -1575,7 +1495,88 @@
           <a:bodyPr/>
           <a:lstStyle/>
           <a:p>
-            <a:endParaRPr lang="en-US" dirty="0"/>
+            <a:r>
+              <a:rPr lang="en-US" dirty="0">
+                <a:cs typeface="Calibri"/>
+              </a:rPr>
+              <a:t>One key reason </a:t>
+            </a:r>
+            <a:r>
+              <a:rPr lang="en-US" dirty="0" err="1">
+                <a:cs typeface="Calibri"/>
+              </a:rPr>
+              <a:t>Catboost</a:t>
+            </a:r>
+            <a:r>
+              <a:rPr lang="en-US" dirty="0">
+                <a:cs typeface="Calibri"/>
+              </a:rPr>
+              <a:t> tends to perform better than other methods like </a:t>
+            </a:r>
+            <a:r>
+              <a:rPr lang="en-US" dirty="0" err="1">
+                <a:cs typeface="Calibri"/>
+              </a:rPr>
+              <a:t>lgbm</a:t>
+            </a:r>
+            <a:r>
+              <a:rPr lang="en-US" dirty="0">
+                <a:cs typeface="Calibri"/>
+              </a:rPr>
+              <a:t> and </a:t>
+            </a:r>
+            <a:r>
+              <a:rPr lang="en-US" dirty="0" err="1">
+                <a:cs typeface="Calibri"/>
+              </a:rPr>
+              <a:t>xgboost</a:t>
+            </a:r>
+            <a:r>
+              <a:rPr lang="en-US" dirty="0">
+                <a:cs typeface="Calibri"/>
+              </a:rPr>
+              <a:t> is that is uses Shapley Additive Values( SHAP) for feature selection.</a:t>
+            </a:r>
+          </a:p>
+          <a:p>
+            <a:r>
+              <a:rPr lang="en-US" dirty="0"/>
+              <a:t> </a:t>
+            </a:r>
+            <a:r>
+              <a:rPr lang="en-US" dirty="0" err="1"/>
+              <a:t>CatBoost</a:t>
+            </a:r>
+            <a:r>
+              <a:rPr lang="en-US" dirty="0"/>
+              <a:t> uses </a:t>
+            </a:r>
+            <a:r>
+              <a:rPr lang="en-US" b="1" dirty="0">
+                <a:hlinkClick r:id="rId3"/>
+              </a:rPr>
+              <a:t>SHAP</a:t>
+            </a:r>
+            <a:r>
+              <a:rPr lang="en-US" dirty="0"/>
+              <a:t> (</a:t>
+            </a:r>
+            <a:r>
+              <a:rPr lang="en-US" dirty="0" err="1"/>
+              <a:t>SHapley</a:t>
+            </a:r>
+            <a:r>
+              <a:rPr lang="en-US" dirty="0"/>
+              <a:t> Additive </a:t>
+            </a:r>
+            <a:r>
+              <a:rPr lang="en-US" dirty="0" err="1"/>
+              <a:t>exPlanations</a:t>
+            </a:r>
+            <a:r>
+              <a:rPr lang="en-US" dirty="0"/>
+              <a:t>) to break a prediction value into contributions from each feature. It calculates feature importance by measuring the impact of a feature on a single prediction value compared to the baseline prediction. </a:t>
+            </a:r>
           </a:p>
         </p:txBody>
       </p:sp>
@@ -1605,7 +1606,7 @@
     </p:spTree>
     <p:extLst>
       <p:ext uri="{BB962C8B-B14F-4D97-AF65-F5344CB8AC3E}">
-        <p14:creationId xmlns:p14="http://schemas.microsoft.com/office/powerpoint/2010/main" val="20477101"/>
+        <p14:creationId xmlns:p14="http://schemas.microsoft.com/office/powerpoint/2010/main" val="3095289902"/>
       </p:ext>
     </p:extLst>
   </p:cSld>
@@ -1689,7 +1690,7 @@
     </p:spTree>
     <p:extLst>
       <p:ext uri="{BB962C8B-B14F-4D97-AF65-F5344CB8AC3E}">
-        <p14:creationId xmlns:p14="http://schemas.microsoft.com/office/powerpoint/2010/main" val="3534597162"/>
+        <p14:creationId xmlns:p14="http://schemas.microsoft.com/office/powerpoint/2010/main" val="20477101"/>
       </p:ext>
     </p:extLst>
   </p:cSld>
@@ -1773,7 +1774,7 @@
     </p:spTree>
     <p:extLst>
       <p:ext uri="{BB962C8B-B14F-4D97-AF65-F5344CB8AC3E}">
-        <p14:creationId xmlns:p14="http://schemas.microsoft.com/office/powerpoint/2010/main" val="634955107"/>
+        <p14:creationId xmlns:p14="http://schemas.microsoft.com/office/powerpoint/2010/main" val="3534597162"/>
       </p:ext>
     </p:extLst>
   </p:cSld>
@@ -1857,7 +1858,7 @@
     </p:spTree>
     <p:extLst>
       <p:ext uri="{BB962C8B-B14F-4D97-AF65-F5344CB8AC3E}">
-        <p14:creationId xmlns:p14="http://schemas.microsoft.com/office/powerpoint/2010/main" val="1136270140"/>
+        <p14:creationId xmlns:p14="http://schemas.microsoft.com/office/powerpoint/2010/main" val="634955107"/>
       </p:ext>
     </p:extLst>
   </p:cSld>
@@ -1941,7 +1942,7 @@
     </p:spTree>
     <p:extLst>
       <p:ext uri="{BB962C8B-B14F-4D97-AF65-F5344CB8AC3E}">
-        <p14:creationId xmlns:p14="http://schemas.microsoft.com/office/powerpoint/2010/main" val="2344376183"/>
+        <p14:creationId xmlns:p14="http://schemas.microsoft.com/office/powerpoint/2010/main" val="1136270140"/>
       </p:ext>
     </p:extLst>
   </p:cSld>
@@ -2014,78 +2015,18 @@
           <a:bodyPr/>
           <a:lstStyle/>
           <a:p>
-            <a:pPr marL="0" marR="0" lvl="0" indent="0" algn="r" defTabSz="914400" rtl="0" eaLnBrk="1" fontAlgn="auto" latinLnBrk="0" hangingPunct="1">
-              <a:lnSpc>
-                <a:spcPct val="100000"/>
-              </a:lnSpc>
-              <a:spcBef>
-                <a:spcPts val="0"/>
-              </a:spcBef>
-              <a:spcAft>
-                <a:spcPts val="0"/>
-              </a:spcAft>
-              <a:buClrTx/>
-              <a:buSzTx/>
-              <a:buFontTx/>
-              <a:buNone/>
-              <a:tabLst/>
-              <a:defRPr/>
-            </a:pPr>
             <a:fld id="{DEF75CB5-5666-5049-9AE0-38EFD385C21E}" type="slidenum">
-              <a:rPr kumimoji="0" lang="en-US" sz="1200" b="0" i="0" u="none" strike="noStrike" kern="1200" cap="none" spc="0" normalizeH="0" baseline="0" noProof="0" smtClean="0">
-                <a:ln>
-                  <a:noFill/>
-                </a:ln>
-                <a:solidFill>
-                  <a:prstClr val="black"/>
-                </a:solidFill>
-                <a:effectLst/>
-                <a:uLnTx/>
-                <a:uFillTx/>
-                <a:latin typeface="Calibri" panose="020F0502020204030204"/>
-                <a:ea typeface="+mn-ea"/>
-                <a:cs typeface="+mn-cs"/>
-              </a:rPr>
-              <a:pPr marL="0" marR="0" lvl="0" indent="0" algn="r" defTabSz="914400" rtl="0" eaLnBrk="1" fontAlgn="auto" latinLnBrk="0" hangingPunct="1">
-                <a:lnSpc>
-                  <a:spcPct val="100000"/>
-                </a:lnSpc>
-                <a:spcBef>
-                  <a:spcPts val="0"/>
-                </a:spcBef>
-                <a:spcAft>
-                  <a:spcPts val="0"/>
-                </a:spcAft>
-                <a:buClrTx/>
-                <a:buSzTx/>
-                <a:buFontTx/>
-                <a:buNone/>
-                <a:tabLst/>
-                <a:defRPr/>
-              </a:pPr>
+              <a:rPr lang="en-US" smtClean="0"/>
               <a:t>23</a:t>
             </a:fld>
-            <a:endParaRPr kumimoji="0" lang="en-US" sz="1200" b="0" i="0" u="none" strike="noStrike" kern="1200" cap="none" spc="0" normalizeH="0" baseline="0" noProof="0" dirty="0">
-              <a:ln>
-                <a:noFill/>
-              </a:ln>
-              <a:solidFill>
-                <a:prstClr val="black"/>
-              </a:solidFill>
-              <a:effectLst/>
-              <a:uLnTx/>
-              <a:uFillTx/>
-              <a:latin typeface="Calibri" panose="020F0502020204030204"/>
-              <a:ea typeface="+mn-ea"/>
-              <a:cs typeface="+mn-cs"/>
-            </a:endParaRPr>
+            <a:endParaRPr lang="en-US" dirty="0"/>
           </a:p>
         </p:txBody>
       </p:sp>
     </p:spTree>
     <p:extLst>
       <p:ext uri="{BB962C8B-B14F-4D97-AF65-F5344CB8AC3E}">
-        <p14:creationId xmlns:p14="http://schemas.microsoft.com/office/powerpoint/2010/main" val="2155952961"/>
+        <p14:creationId xmlns:p14="http://schemas.microsoft.com/office/powerpoint/2010/main" val="2344376183"/>
       </p:ext>
     </p:extLst>
   </p:cSld>
@@ -2158,18 +2099,78 @@
           <a:bodyPr/>
           <a:lstStyle/>
           <a:p>
+            <a:pPr marL="0" marR="0" lvl="0" indent="0" algn="r" defTabSz="914400" rtl="0" eaLnBrk="1" fontAlgn="auto" latinLnBrk="0" hangingPunct="1">
+              <a:lnSpc>
+                <a:spcPct val="100000"/>
+              </a:lnSpc>
+              <a:spcBef>
+                <a:spcPts val="0"/>
+              </a:spcBef>
+              <a:spcAft>
+                <a:spcPts val="0"/>
+              </a:spcAft>
+              <a:buClrTx/>
+              <a:buSzTx/>
+              <a:buFontTx/>
+              <a:buNone/>
+              <a:tabLst/>
+              <a:defRPr/>
+            </a:pPr>
             <a:fld id="{DEF75CB5-5666-5049-9AE0-38EFD385C21E}" type="slidenum">
-              <a:rPr lang="en-US" smtClean="0"/>
+              <a:rPr kumimoji="0" lang="en-US" sz="1200" b="0" i="0" u="none" strike="noStrike" kern="1200" cap="none" spc="0" normalizeH="0" baseline="0" noProof="0" smtClean="0">
+                <a:ln>
+                  <a:noFill/>
+                </a:ln>
+                <a:solidFill>
+                  <a:prstClr val="black"/>
+                </a:solidFill>
+                <a:effectLst/>
+                <a:uLnTx/>
+                <a:uFillTx/>
+                <a:latin typeface="Calibri" panose="020F0502020204030204"/>
+                <a:ea typeface="+mn-ea"/>
+                <a:cs typeface="+mn-cs"/>
+              </a:rPr>
+              <a:pPr marL="0" marR="0" lvl="0" indent="0" algn="r" defTabSz="914400" rtl="0" eaLnBrk="1" fontAlgn="auto" latinLnBrk="0" hangingPunct="1">
+                <a:lnSpc>
+                  <a:spcPct val="100000"/>
+                </a:lnSpc>
+                <a:spcBef>
+                  <a:spcPts val="0"/>
+                </a:spcBef>
+                <a:spcAft>
+                  <a:spcPts val="0"/>
+                </a:spcAft>
+                <a:buClrTx/>
+                <a:buSzTx/>
+                <a:buFontTx/>
+                <a:buNone/>
+                <a:tabLst/>
+                <a:defRPr/>
+              </a:pPr>
               <a:t>24</a:t>
             </a:fld>
-            <a:endParaRPr lang="en-US" dirty="0"/>
+            <a:endParaRPr kumimoji="0" lang="en-US" sz="1200" b="0" i="0" u="none" strike="noStrike" kern="1200" cap="none" spc="0" normalizeH="0" baseline="0" noProof="0" dirty="0">
+              <a:ln>
+                <a:noFill/>
+              </a:ln>
+              <a:solidFill>
+                <a:prstClr val="black"/>
+              </a:solidFill>
+              <a:effectLst/>
+              <a:uLnTx/>
+              <a:uFillTx/>
+              <a:latin typeface="Calibri" panose="020F0502020204030204"/>
+              <a:ea typeface="+mn-ea"/>
+              <a:cs typeface="+mn-cs"/>
+            </a:endParaRPr>
           </a:p>
         </p:txBody>
       </p:sp>
     </p:spTree>
     <p:extLst>
       <p:ext uri="{BB962C8B-B14F-4D97-AF65-F5344CB8AC3E}">
-        <p14:creationId xmlns:p14="http://schemas.microsoft.com/office/powerpoint/2010/main" val="178419945"/>
+        <p14:creationId xmlns:p14="http://schemas.microsoft.com/office/powerpoint/2010/main" val="2155952961"/>
       </p:ext>
     </p:extLst>
   </p:cSld>
@@ -2253,7 +2254,7 @@
     </p:spTree>
     <p:extLst>
       <p:ext uri="{BB962C8B-B14F-4D97-AF65-F5344CB8AC3E}">
-        <p14:creationId xmlns:p14="http://schemas.microsoft.com/office/powerpoint/2010/main" val="839213642"/>
+        <p14:creationId xmlns:p14="http://schemas.microsoft.com/office/powerpoint/2010/main" val="178419945"/>
       </p:ext>
     </p:extLst>
   </p:cSld>
@@ -2472,7 +2473,91 @@
           <a:p>
             <a:fld id="{DEF75CB5-5666-5049-9AE0-38EFD385C21E}" type="slidenum">
               <a:rPr lang="en-US" smtClean="0"/>
-              <a:t>27</a:t>
+              <a:t>26</a:t>
+            </a:fld>
+            <a:endParaRPr lang="en-US" dirty="0"/>
+          </a:p>
+        </p:txBody>
+      </p:sp>
+    </p:spTree>
+    <p:extLst>
+      <p:ext uri="{BB962C8B-B14F-4D97-AF65-F5344CB8AC3E}">
+        <p14:creationId xmlns:p14="http://schemas.microsoft.com/office/powerpoint/2010/main" val="839213642"/>
+      </p:ext>
+    </p:extLst>
+  </p:cSld>
+  <p:clrMapOvr>
+    <a:masterClrMapping/>
+  </p:clrMapOvr>
+</p:notes>
+</file>
+
+<file path=ppt/notesSlides/notesSlide21.xml><?xml version="1.0" encoding="utf-8"?>
+<p:notes xmlns:a="http://schemas.openxmlformats.org/drawingml/2006/main" xmlns:r="http://schemas.openxmlformats.org/officeDocument/2006/relationships" xmlns:p="http://schemas.openxmlformats.org/presentationml/2006/main">
+  <p:cSld>
+    <p:spTree>
+      <p:nvGrpSpPr>
+        <p:cNvPr id="1" name=""/>
+        <p:cNvGrpSpPr/>
+        <p:nvPr/>
+      </p:nvGrpSpPr>
+      <p:grpSpPr>
+        <a:xfrm>
+          <a:off x="0" y="0"/>
+          <a:ext cx="0" cy="0"/>
+          <a:chOff x="0" y="0"/>
+          <a:chExt cx="0" cy="0"/>
+        </a:xfrm>
+      </p:grpSpPr>
+      <p:sp>
+        <p:nvSpPr>
+          <p:cNvPr id="2" name="Slide Image Placeholder 1"/>
+          <p:cNvSpPr>
+            <a:spLocks noGrp="1" noRot="1" noChangeAspect="1"/>
+          </p:cNvSpPr>
+          <p:nvPr>
+            <p:ph type="sldImg"/>
+          </p:nvPr>
+        </p:nvSpPr>
+        <p:spPr/>
+      </p:sp>
+      <p:sp>
+        <p:nvSpPr>
+          <p:cNvPr id="3" name="Notes Placeholder 2"/>
+          <p:cNvSpPr>
+            <a:spLocks noGrp="1"/>
+          </p:cNvSpPr>
+          <p:nvPr>
+            <p:ph type="body" idx="1"/>
+          </p:nvPr>
+        </p:nvSpPr>
+        <p:spPr/>
+        <p:txBody>
+          <a:bodyPr/>
+          <a:lstStyle/>
+          <a:p>
+            <a:endParaRPr lang="en-US" dirty="0"/>
+          </a:p>
+        </p:txBody>
+      </p:sp>
+      <p:sp>
+        <p:nvSpPr>
+          <p:cNvPr id="4" name="Slide Number Placeholder 3"/>
+          <p:cNvSpPr>
+            <a:spLocks noGrp="1"/>
+          </p:cNvSpPr>
+          <p:nvPr>
+            <p:ph type="sldNum" sz="quarter" idx="5"/>
+          </p:nvPr>
+        </p:nvSpPr>
+        <p:spPr/>
+        <p:txBody>
+          <a:bodyPr/>
+          <a:lstStyle/>
+          <a:p>
+            <a:fld id="{DEF75CB5-5666-5049-9AE0-38EFD385C21E}" type="slidenum">
+              <a:rPr lang="en-US" smtClean="0"/>
+              <a:t>28</a:t>
             </a:fld>
             <a:endParaRPr lang="en-US" dirty="0"/>
           </a:p>
@@ -14101,6 +14186,311 @@
           <p:cNvPr id="2" name="Title 1">
             <a:extLst>
               <a:ext uri="{FF2B5EF4-FFF2-40B4-BE49-F238E27FC236}">
+                <a16:creationId xmlns:a16="http://schemas.microsoft.com/office/drawing/2014/main" id="{08FD57B1-35E4-8B57-9A19-CC4F176F3D0A}"/>
+              </a:ext>
+            </a:extLst>
+          </p:cNvPr>
+          <p:cNvSpPr>
+            <a:spLocks noGrp="1"/>
+          </p:cNvSpPr>
+          <p:nvPr>
+            <p:ph type="title"/>
+          </p:nvPr>
+        </p:nvSpPr>
+        <p:spPr/>
+        <p:txBody>
+          <a:bodyPr/>
+          <a:lstStyle/>
+          <a:p>
+            <a:r>
+              <a:rPr lang="en-US" dirty="0"/>
+              <a:t>Ensemble methods</a:t>
+            </a:r>
+          </a:p>
+        </p:txBody>
+      </p:sp>
+      <p:sp>
+        <p:nvSpPr>
+          <p:cNvPr id="4" name="Slide Number Placeholder 3">
+            <a:extLst>
+              <a:ext uri="{FF2B5EF4-FFF2-40B4-BE49-F238E27FC236}">
+                <a16:creationId xmlns:a16="http://schemas.microsoft.com/office/drawing/2014/main" id="{9B4A598A-3DBF-41E8-645E-7129CAEA4303}"/>
+              </a:ext>
+            </a:extLst>
+          </p:cNvPr>
+          <p:cNvSpPr>
+            <a:spLocks noGrp="1"/>
+          </p:cNvSpPr>
+          <p:nvPr>
+            <p:ph type="sldNum" sz="quarter" idx="12"/>
+          </p:nvPr>
+        </p:nvSpPr>
+        <p:spPr/>
+        <p:txBody>
+          <a:bodyPr/>
+          <a:lstStyle/>
+          <a:p>
+            <a:fld id="{FE024F78-56A6-7740-B68D-8D4D026EDF3F}" type="slidenum">
+              <a:rPr lang="en-US" smtClean="0"/>
+              <a:pPr/>
+              <a:t>16</a:t>
+            </a:fld>
+            <a:endParaRPr lang="en-US" dirty="0"/>
+          </a:p>
+        </p:txBody>
+      </p:sp>
+      <p:pic>
+        <p:nvPicPr>
+          <p:cNvPr id="1026" name="Picture 2" descr="Decision Tree Ensemble Model. A decision tree ensemble model is a… | by  Pankaj Pandey | Medium">
+            <a:extLst>
+              <a:ext uri="{FF2B5EF4-FFF2-40B4-BE49-F238E27FC236}">
+                <a16:creationId xmlns:a16="http://schemas.microsoft.com/office/drawing/2014/main" id="{5FC964F0-5A36-1CE1-76EE-A82F77B18D58}"/>
+              </a:ext>
+            </a:extLst>
+          </p:cNvPr>
+          <p:cNvPicPr>
+            <a:picLocks noGrp="1" noChangeAspect="1" noChangeArrowheads="1"/>
+          </p:cNvPicPr>
+          <p:nvPr>
+            <p:ph type="tbl" sz="quarter" idx="13"/>
+          </p:nvPr>
+        </p:nvPicPr>
+        <p:blipFill>
+          <a:blip r:embed="rId3">
+            <a:extLst>
+              <a:ext uri="{28A0092B-C50C-407E-A947-70E740481C1C}">
+                <a14:useLocalDpi xmlns:a14="http://schemas.microsoft.com/office/drawing/2010/main" val="0"/>
+              </a:ext>
+            </a:extLst>
+          </a:blip>
+          <a:srcRect/>
+          <a:stretch>
+            <a:fillRect/>
+          </a:stretch>
+        </p:blipFill>
+        <p:spPr bwMode="auto">
+          <a:xfrm>
+            <a:off x="6764379" y="2436652"/>
+            <a:ext cx="4753183" cy="3478212"/>
+          </a:xfrm>
+          <a:prstGeom prst="rect">
+            <a:avLst/>
+          </a:prstGeom>
+          <a:noFill/>
+          <a:extLst>
+            <a:ext uri="{909E8E84-426E-40DD-AFC4-6F175D3DCCD1}">
+              <a14:hiddenFill xmlns:a14="http://schemas.microsoft.com/office/drawing/2010/main">
+                <a:solidFill>
+                  <a:srgbClr val="FFFFFF"/>
+                </a:solidFill>
+              </a14:hiddenFill>
+            </a:ext>
+          </a:extLst>
+        </p:spPr>
+      </p:pic>
+      <p:sp>
+        <p:nvSpPr>
+          <p:cNvPr id="5" name="TextBox 4">
+            <a:extLst>
+              <a:ext uri="{FF2B5EF4-FFF2-40B4-BE49-F238E27FC236}">
+                <a16:creationId xmlns:a16="http://schemas.microsoft.com/office/drawing/2014/main" id="{7652604C-7F45-5539-6B09-D8B3BA835EF0}"/>
+              </a:ext>
+            </a:extLst>
+          </p:cNvPr>
+          <p:cNvSpPr txBox="1"/>
+          <p:nvPr/>
+        </p:nvSpPr>
+        <p:spPr>
+          <a:xfrm>
+            <a:off x="556401" y="2255880"/>
+            <a:ext cx="6076874" cy="4570482"/>
+          </a:xfrm>
+          <a:prstGeom prst="rect">
+            <a:avLst/>
+          </a:prstGeom>
+          <a:noFill/>
+        </p:spPr>
+        <p:txBody>
+          <a:bodyPr wrap="square" rtlCol="0">
+            <a:spAutoFit/>
+          </a:bodyPr>
+          <a:lstStyle/>
+          <a:p>
+            <a:pPr marL="285750" indent="-285750">
+              <a:buFont typeface="Arial" panose="020B0604020202020204" pitchFamily="34" charset="0"/>
+              <a:buChar char="•"/>
+            </a:pPr>
+            <a:r>
+              <a:rPr lang="en-US" dirty="0">
+                <a:solidFill>
+                  <a:schemeClr val="bg1"/>
+                </a:solidFill>
+                <a:cs typeface="Biome"/>
+              </a:rPr>
+              <a:t>Ensemble</a:t>
+            </a:r>
+            <a:r>
+              <a:rPr lang="en-US" dirty="0"/>
+              <a:t> </a:t>
+            </a:r>
+            <a:r>
+              <a:rPr lang="en-US" dirty="0">
+                <a:solidFill>
+                  <a:schemeClr val="bg1"/>
+                </a:solidFill>
+                <a:cs typeface="Biome"/>
+              </a:rPr>
+              <a:t>methods enhance accuracy and generalizability of models by combining predictions from multiple models, called “weak learners”</a:t>
+            </a:r>
+          </a:p>
+          <a:p>
+            <a:endParaRPr lang="en-US" sz="1050" dirty="0">
+              <a:solidFill>
+                <a:schemeClr val="bg1"/>
+              </a:solidFill>
+              <a:cs typeface="Biome"/>
+            </a:endParaRPr>
+          </a:p>
+          <a:p>
+            <a:pPr marL="285750" indent="-285750">
+              <a:buFont typeface="Arial" panose="020B0604020202020204" pitchFamily="34" charset="0"/>
+              <a:buChar char="•"/>
+            </a:pPr>
+            <a:r>
+              <a:rPr lang="en-US" b="1" dirty="0">
+                <a:solidFill>
+                  <a:schemeClr val="bg1"/>
+                </a:solidFill>
+                <a:cs typeface="Biome"/>
+              </a:rPr>
+              <a:t>Bagging</a:t>
+            </a:r>
+            <a:r>
+              <a:rPr lang="en-US" dirty="0">
+                <a:solidFill>
+                  <a:schemeClr val="bg1"/>
+                </a:solidFill>
+                <a:cs typeface="Biome"/>
+              </a:rPr>
+              <a:t> (or bootstrap aggregating) selects subsets of the input data with replacement to rain weak learners in parallel, combining final predictions </a:t>
+            </a:r>
+          </a:p>
+          <a:p>
+            <a:endParaRPr lang="en-US" sz="1050" dirty="0">
+              <a:solidFill>
+                <a:schemeClr val="bg1"/>
+              </a:solidFill>
+              <a:cs typeface="Biome"/>
+            </a:endParaRPr>
+          </a:p>
+          <a:p>
+            <a:pPr marL="285750" indent="-285750">
+              <a:buFont typeface="Arial" panose="020B0604020202020204" pitchFamily="34" charset="0"/>
+              <a:buChar char="•"/>
+            </a:pPr>
+            <a:r>
+              <a:rPr lang="en-US" b="1" dirty="0">
+                <a:solidFill>
+                  <a:schemeClr val="bg1"/>
+                </a:solidFill>
+                <a:cs typeface="Biome"/>
+              </a:rPr>
+              <a:t>Boosting</a:t>
+            </a:r>
+            <a:r>
+              <a:rPr lang="en-US" dirty="0">
+                <a:solidFill>
+                  <a:schemeClr val="bg1"/>
+                </a:solidFill>
+                <a:cs typeface="Biome"/>
+              </a:rPr>
+              <a:t> is a sequential process in which each new weak learner attempts to correct the errors of the previous</a:t>
+            </a:r>
+          </a:p>
+          <a:p>
+            <a:endParaRPr lang="en-US" sz="1050" dirty="0">
+              <a:solidFill>
+                <a:schemeClr val="bg1"/>
+              </a:solidFill>
+              <a:cs typeface="Biome"/>
+            </a:endParaRPr>
+          </a:p>
+          <a:p>
+            <a:pPr marL="285750" indent="-285750">
+              <a:buFont typeface="Arial" panose="020B0604020202020204" pitchFamily="34" charset="0"/>
+              <a:buChar char="•"/>
+            </a:pPr>
+            <a:r>
+              <a:rPr lang="en-US" dirty="0">
+                <a:solidFill>
+                  <a:schemeClr val="bg1"/>
+                </a:solidFill>
+                <a:cs typeface="Biome"/>
+              </a:rPr>
+              <a:t>Advantages over methods such as LR include robustness to nonlinearity, correlated features, and interactions</a:t>
+            </a:r>
+          </a:p>
+          <a:p>
+            <a:pPr marL="285750" indent="-285750">
+              <a:buFont typeface="Arial" panose="020B0604020202020204" pitchFamily="34" charset="0"/>
+              <a:buChar char="•"/>
+            </a:pPr>
+            <a:endParaRPr lang="en-US" dirty="0">
+              <a:solidFill>
+                <a:schemeClr val="bg1"/>
+              </a:solidFill>
+              <a:cs typeface="Biome"/>
+            </a:endParaRPr>
+          </a:p>
+          <a:p>
+            <a:pPr marL="285750" indent="-285750">
+              <a:buFont typeface="Arial" panose="020B0604020202020204" pitchFamily="34" charset="0"/>
+              <a:buChar char="•"/>
+            </a:pPr>
+            <a:endParaRPr lang="en-US" dirty="0">
+              <a:solidFill>
+                <a:schemeClr val="bg1"/>
+              </a:solidFill>
+              <a:cs typeface="Biome"/>
+            </a:endParaRPr>
+          </a:p>
+        </p:txBody>
+      </p:sp>
+    </p:spTree>
+    <p:extLst>
+      <p:ext uri="{BB962C8B-B14F-4D97-AF65-F5344CB8AC3E}">
+        <p14:creationId xmlns:p14="http://schemas.microsoft.com/office/powerpoint/2010/main" val="3501519568"/>
+      </p:ext>
+    </p:extLst>
+  </p:cSld>
+  <p:clrMapOvr>
+    <a:masterClrMapping/>
+  </p:clrMapOvr>
+</p:sld>
+</file>
+
+<file path=ppt/slides/slide17.xml><?xml version="1.0" encoding="utf-8"?>
+<p:sld xmlns:a="http://schemas.openxmlformats.org/drawingml/2006/main" xmlns:r="http://schemas.openxmlformats.org/officeDocument/2006/relationships" xmlns:p="http://schemas.openxmlformats.org/presentationml/2006/main">
+  <p:cSld>
+    <p:spTree>
+      <p:nvGrpSpPr>
+        <p:cNvPr id="1" name=""/>
+        <p:cNvGrpSpPr/>
+        <p:nvPr/>
+      </p:nvGrpSpPr>
+      <p:grpSpPr>
+        <a:xfrm>
+          <a:off x="0" y="0"/>
+          <a:ext cx="0" cy="0"/>
+          <a:chOff x="0" y="0"/>
+          <a:chExt cx="0" cy="0"/>
+        </a:xfrm>
+      </p:grpSpPr>
+      <p:sp>
+        <p:nvSpPr>
+          <p:cNvPr id="2" name="Title 1">
+            <a:extLst>
+              <a:ext uri="{FF2B5EF4-FFF2-40B4-BE49-F238E27FC236}">
                 <a16:creationId xmlns:a16="http://schemas.microsoft.com/office/drawing/2014/main" id="{11883E06-8BEA-1DD3-D0D6-391C08880EBF}"/>
               </a:ext>
             </a:extLst>
@@ -14190,7 +14580,7 @@
               <a:buAutoNum type="arabicPeriod"/>
             </a:pPr>
             <a:r>
-              <a:rPr lang="en-US" sz="1600" err="1">
+              <a:rPr lang="en-US" sz="1600" dirty="0" err="1">
                 <a:cs typeface="Biome"/>
               </a:rPr>
               <a:t>LightGBM</a:t>
@@ -14207,7 +14597,7 @@
               <a:buAutoNum type="arabicPeriod"/>
             </a:pPr>
             <a:r>
-              <a:rPr lang="en-US" sz="1600" err="1">
+              <a:rPr lang="en-US" sz="1600" dirty="0" err="1">
                 <a:cs typeface="Biome"/>
               </a:rPr>
               <a:t>XGBoost</a:t>
@@ -14218,14 +14608,14 @@
               </a:rPr>
               <a:t> – optimized with parallel computing</a:t>
             </a:r>
-            <a:endParaRPr lang="en-US" sz="1600"/>
+            <a:endParaRPr lang="en-US" sz="1600" dirty="0"/>
           </a:p>
           <a:p>
             <a:pPr marL="342900" indent="-342900">
               <a:buAutoNum type="arabicPeriod"/>
             </a:pPr>
             <a:r>
-              <a:rPr lang="en-US" sz="1600" err="1">
+              <a:rPr lang="en-US" sz="1600" dirty="0" err="1">
                 <a:cs typeface="Biome"/>
               </a:rPr>
               <a:t>CatBoost</a:t>
@@ -14236,7 +14626,7 @@
               </a:rPr>
               <a:t> – balanced trees with the same conditions in each tree</a:t>
             </a:r>
-            <a:endParaRPr lang="en-US" sz="1600" dirty="0" err="1"/>
+            <a:endParaRPr lang="en-US" sz="1600" dirty="0"/>
           </a:p>
           <a:p>
             <a:pPr marL="342900" indent="-342900">
@@ -14275,7 +14665,7 @@
             <a:fld id="{FE024F78-56A6-7740-B68D-8D4D026EDF3F}" type="slidenum">
               <a:rPr lang="en-US" smtClean="0"/>
               <a:pPr/>
-              <a:t>16</a:t>
+              <a:t>17</a:t>
             </a:fld>
             <a:endParaRPr lang="en-US" dirty="0"/>
           </a:p>
@@ -14799,7 +15189,7 @@
 </p:sld>
 </file>
 
-<file path=ppt/slides/slide17.xml><?xml version="1.0" encoding="utf-8"?>
+<file path=ppt/slides/slide18.xml><?xml version="1.0" encoding="utf-8"?>
 <p:sld xmlns:a="http://schemas.openxmlformats.org/drawingml/2006/main" xmlns:r="http://schemas.openxmlformats.org/officeDocument/2006/relationships" xmlns:p="http://schemas.openxmlformats.org/presentationml/2006/main">
   <p:cSld>
     <p:spTree>
@@ -14888,7 +15278,7 @@
             <a:fld id="{FE024F78-56A6-7740-B68D-8D4D026EDF3F}" type="slidenum">
               <a:rPr lang="en-US" smtClean="0"/>
               <a:pPr/>
-              <a:t>17</a:t>
+              <a:t>18</a:t>
             </a:fld>
             <a:endParaRPr lang="en-US" dirty="0"/>
           </a:p>
@@ -14968,175 +15358,6 @@
 </p:sld>
 </file>
 
-<file path=ppt/slides/slide18.xml><?xml version="1.0" encoding="utf-8"?>
-<p:sld xmlns:a="http://schemas.openxmlformats.org/drawingml/2006/main" xmlns:r="http://schemas.openxmlformats.org/officeDocument/2006/relationships" xmlns:p="http://schemas.openxmlformats.org/presentationml/2006/main">
-  <p:cSld>
-    <p:spTree>
-      <p:nvGrpSpPr>
-        <p:cNvPr id="1" name=""/>
-        <p:cNvGrpSpPr/>
-        <p:nvPr/>
-      </p:nvGrpSpPr>
-      <p:grpSpPr>
-        <a:xfrm>
-          <a:off x="0" y="0"/>
-          <a:ext cx="0" cy="0"/>
-          <a:chOff x="0" y="0"/>
-          <a:chExt cx="0" cy="0"/>
-        </a:xfrm>
-      </p:grpSpPr>
-      <p:sp>
-        <p:nvSpPr>
-          <p:cNvPr id="2" name="Title 1">
-            <a:extLst>
-              <a:ext uri="{FF2B5EF4-FFF2-40B4-BE49-F238E27FC236}">
-                <a16:creationId xmlns:a16="http://schemas.microsoft.com/office/drawing/2014/main" id="{11883E06-8BEA-1DD3-D0D6-391C08880EBF}"/>
-              </a:ext>
-            </a:extLst>
-          </p:cNvPr>
-          <p:cNvSpPr>
-            <a:spLocks noGrp="1"/>
-          </p:cNvSpPr>
-          <p:nvPr>
-            <p:ph type="title"/>
-          </p:nvPr>
-        </p:nvSpPr>
-        <p:spPr>
-          <a:xfrm>
-            <a:off x="741680" y="430482"/>
-            <a:ext cx="10500989" cy="1327464"/>
-          </a:xfrm>
-        </p:spPr>
-        <p:txBody>
-          <a:bodyPr/>
-          <a:lstStyle/>
-          <a:p>
-            <a:r>
-              <a:rPr lang="en-US" dirty="0"/>
-              <a:t>Neural network – Background</a:t>
-            </a:r>
-          </a:p>
-        </p:txBody>
-      </p:sp>
-      <p:sp>
-        <p:nvSpPr>
-          <p:cNvPr id="4" name="Content Placeholder 3">
-            <a:extLst>
-              <a:ext uri="{FF2B5EF4-FFF2-40B4-BE49-F238E27FC236}">
-                <a16:creationId xmlns:a16="http://schemas.microsoft.com/office/drawing/2014/main" id="{3770D91C-D5C0-248C-26D3-DE7C7C72E632}"/>
-              </a:ext>
-            </a:extLst>
-          </p:cNvPr>
-          <p:cNvSpPr>
-            <a:spLocks noGrp="1"/>
-          </p:cNvSpPr>
-          <p:nvPr>
-            <p:ph sz="quarter" idx="36"/>
-          </p:nvPr>
-        </p:nvSpPr>
-        <p:spPr>
-          <a:xfrm>
-            <a:off x="741680" y="2465539"/>
-            <a:ext cx="10500989" cy="3723753"/>
-          </a:xfrm>
-        </p:spPr>
-        <p:txBody>
-          <a:bodyPr/>
-          <a:lstStyle/>
-          <a:p>
-            <a:pPr marL="285750" indent="-285750">
-              <a:buFont typeface="Arial" panose="020B0604020202020204" pitchFamily="34" charset="0"/>
-              <a:buChar char="•"/>
-            </a:pPr>
-            <a:r>
-              <a:rPr lang="en-US" dirty="0"/>
-              <a:t>Neural networks are among the most powerful models in machine learning</a:t>
-            </a:r>
-          </a:p>
-          <a:p>
-            <a:pPr marL="285750" indent="-285750">
-              <a:buFont typeface="Arial" panose="020B0604020202020204" pitchFamily="34" charset="0"/>
-              <a:buChar char="•"/>
-            </a:pPr>
-            <a:endParaRPr lang="en-US" dirty="0"/>
-          </a:p>
-          <a:p>
-            <a:pPr marL="285750" indent="-285750">
-              <a:buFont typeface="Arial" panose="020B0604020202020204" pitchFamily="34" charset="0"/>
-              <a:buChar char="•"/>
-            </a:pPr>
-            <a:r>
-              <a:rPr lang="en-US" dirty="0"/>
-              <a:t>Can be used in data analysis, artificial intelligence applications, (in our case) classification</a:t>
-            </a:r>
-          </a:p>
-          <a:p>
-            <a:pPr marL="285750" indent="-285750">
-              <a:buFont typeface="Arial" panose="020B0604020202020204" pitchFamily="34" charset="0"/>
-              <a:buChar char="•"/>
-            </a:pPr>
-            <a:endParaRPr lang="en-US" dirty="0"/>
-          </a:p>
-          <a:p>
-            <a:pPr marL="285750" indent="-285750">
-              <a:buFont typeface="Arial" panose="020B0604020202020204" pitchFamily="34" charset="0"/>
-              <a:buChar char="•"/>
-            </a:pPr>
-            <a:r>
-              <a:rPr lang="en-US" dirty="0"/>
-              <a:t>Modeled based on the neurons in the human brain</a:t>
-            </a:r>
-          </a:p>
-        </p:txBody>
-      </p:sp>
-      <p:sp>
-        <p:nvSpPr>
-          <p:cNvPr id="5" name="Slide Number Placeholder 4">
-            <a:extLst>
-              <a:ext uri="{FF2B5EF4-FFF2-40B4-BE49-F238E27FC236}">
-                <a16:creationId xmlns:a16="http://schemas.microsoft.com/office/drawing/2014/main" id="{E87B8B6A-2B28-5C38-80E7-0EBE705FFBBF}"/>
-              </a:ext>
-            </a:extLst>
-          </p:cNvPr>
-          <p:cNvSpPr>
-            <a:spLocks noGrp="1"/>
-          </p:cNvSpPr>
-          <p:nvPr>
-            <p:ph type="sldNum" sz="quarter" idx="12"/>
-          </p:nvPr>
-        </p:nvSpPr>
-        <p:spPr>
-          <a:xfrm>
-            <a:off x="9140971" y="6226198"/>
-            <a:ext cx="2743200" cy="365125"/>
-          </a:xfrm>
-        </p:spPr>
-        <p:txBody>
-          <a:bodyPr/>
-          <a:lstStyle/>
-          <a:p>
-            <a:fld id="{FE024F78-56A6-7740-B68D-8D4D026EDF3F}" type="slidenum">
-              <a:rPr lang="en-US" smtClean="0"/>
-              <a:pPr/>
-              <a:t>18</a:t>
-            </a:fld>
-            <a:endParaRPr lang="en-US" dirty="0"/>
-          </a:p>
-        </p:txBody>
-      </p:sp>
-    </p:spTree>
-    <p:extLst>
-      <p:ext uri="{BB962C8B-B14F-4D97-AF65-F5344CB8AC3E}">
-        <p14:creationId xmlns:p14="http://schemas.microsoft.com/office/powerpoint/2010/main" val="2592581982"/>
-      </p:ext>
-    </p:extLst>
-  </p:cSld>
-  <p:clrMapOvr>
-    <a:masterClrMapping/>
-  </p:clrMapOvr>
-</p:sld>
-</file>
-
 <file path=ppt/slides/slide19.xml><?xml version="1.0" encoding="utf-8"?>
 <p:sld xmlns:a="http://schemas.openxmlformats.org/drawingml/2006/main" xmlns:r="http://schemas.openxmlformats.org/officeDocument/2006/relationships" xmlns:p="http://schemas.openxmlformats.org/presentationml/2006/main">
   <p:cSld>
@@ -15182,7 +15403,7 @@
           <a:p>
             <a:r>
               <a:rPr lang="en-US" dirty="0"/>
-              <a:t>Neural network – How do they work?</a:t>
+              <a:t>Neural network – Background</a:t>
             </a:r>
           </a:p>
         </p:txBody>
@@ -15219,7 +15440,7 @@
             </a:pPr>
             <a:r>
               <a:rPr lang="en-US" dirty="0"/>
-              <a:t>As discussed, NNs are modeled after the neurons in the brain</a:t>
+              <a:t>Neural networks are among the most powerful models in machine learning</a:t>
             </a:r>
           </a:p>
           <a:p>
@@ -15227,10 +15448,7 @@
               <a:buFont typeface="Arial" panose="020B0604020202020204" pitchFamily="34" charset="0"/>
               <a:buChar char="•"/>
             </a:pPr>
-            <a:r>
-              <a:rPr lang="en-US" dirty="0"/>
-              <a:t>Each input neuron receives the input data, and these input neurons are connected via edges to the other neurons in deeper layers of the model.</a:t>
-            </a:r>
+            <a:endParaRPr lang="en-US" dirty="0"/>
           </a:p>
           <a:p>
             <a:pPr marL="285750" indent="-285750">
@@ -15239,14 +15457,7 @@
             </a:pPr>
             <a:r>
               <a:rPr lang="en-US" dirty="0"/>
-              <a:t>Each layer processes the input via an activation function and send the output, or “signal” to the next layer. </a:t>
-            </a:r>
-          </a:p>
-          <a:p>
-            <a:pPr marL="569214" lvl="1"/>
-            <a:r>
-              <a:rPr lang="en-US" dirty="0"/>
-              <a:t>The strength of each signal determined by a weight that is adjusted during model training.</a:t>
+              <a:t>Can be used in data analysis, artificial intelligence applications, (in our case) classification</a:t>
             </a:r>
           </a:p>
           <a:p>
@@ -15254,9 +15465,16 @@
               <a:buFont typeface="Arial" panose="020B0604020202020204" pitchFamily="34" charset="0"/>
               <a:buChar char="•"/>
             </a:pPr>
+            <a:endParaRPr lang="en-US" dirty="0"/>
+          </a:p>
+          <a:p>
+            <a:pPr marL="285750" indent="-285750">
+              <a:buFont typeface="Arial" panose="020B0604020202020204" pitchFamily="34" charset="0"/>
+              <a:buChar char="•"/>
+            </a:pPr>
             <a:r>
               <a:rPr lang="en-US" dirty="0"/>
-              <a:t>Models are then trained via backpropagation, where the weights in the model are adjusted to minimize the error of the output.</a:t>
+              <a:t>Modeled based on the neurons in the human brain</a:t>
             </a:r>
           </a:p>
         </p:txBody>
@@ -15299,7 +15517,7 @@
     </p:spTree>
     <p:extLst>
       <p:ext uri="{BB962C8B-B14F-4D97-AF65-F5344CB8AC3E}">
-        <p14:creationId xmlns:p14="http://schemas.microsoft.com/office/powerpoint/2010/main" val="3964937380"/>
+        <p14:creationId xmlns:p14="http://schemas.microsoft.com/office/powerpoint/2010/main" val="2592581982"/>
       </p:ext>
     </p:extLst>
   </p:cSld>
@@ -15525,17 +15743,58 @@
         </p:nvSpPr>
         <p:spPr>
           <a:xfrm>
-            <a:off x="741680" y="5824167"/>
-            <a:ext cx="10500989" cy="365125"/>
+            <a:off x="741680" y="2465539"/>
+            <a:ext cx="10500989" cy="3723753"/>
           </a:xfrm>
         </p:spPr>
         <p:txBody>
           <a:bodyPr/>
           <a:lstStyle/>
           <a:p>
-            <a:r>
-              <a:rPr lang="en-US" sz="1200" dirty="0"/>
-              <a:t>https://pub.towardsai.net/building-intuition-on-the-concepts-behind-llms-like-chatgpt-part-1-4cb6654ab67</a:t>
+            <a:pPr marL="285750" indent="-285750">
+              <a:buFont typeface="Arial" panose="020B0604020202020204" pitchFamily="34" charset="0"/>
+              <a:buChar char="•"/>
+            </a:pPr>
+            <a:r>
+              <a:rPr lang="en-US" dirty="0"/>
+              <a:t>As discussed, NNs are modeled after the neurons in the brain</a:t>
+            </a:r>
+          </a:p>
+          <a:p>
+            <a:pPr marL="285750" indent="-285750">
+              <a:buFont typeface="Arial" panose="020B0604020202020204" pitchFamily="34" charset="0"/>
+              <a:buChar char="•"/>
+            </a:pPr>
+            <a:r>
+              <a:rPr lang="en-US" dirty="0"/>
+              <a:t>Each input neuron receives the input data, and these input neurons are connected via edges to the other neurons in deeper layers of the model.</a:t>
+            </a:r>
+          </a:p>
+          <a:p>
+            <a:pPr marL="285750" indent="-285750">
+              <a:buFont typeface="Arial" panose="020B0604020202020204" pitchFamily="34" charset="0"/>
+              <a:buChar char="•"/>
+            </a:pPr>
+            <a:r>
+              <a:rPr lang="en-US" dirty="0"/>
+              <a:t>Each layer processes the input via an activation function and send the output, or “signal” to the next layer. </a:t>
+            </a:r>
+          </a:p>
+          <a:p>
+            <a:pPr marL="569214" lvl="1"/>
+            <a:r>
+              <a:rPr lang="en-US" dirty="0"/>
+              <a:t>The strength of each signal determined by a weight that is adjusted during model training.</a:t>
+            </a:r>
+          </a:p>
+          <a:p>
+            <a:pPr marL="285750" indent="-285750">
+              <a:buFont typeface="Arial" panose="020B0604020202020204" pitchFamily="34" charset="0"/>
+              <a:buChar char="•"/>
+            </a:pPr>
+            <a:r>
+              <a:rPr lang="en-US" dirty="0"/>
+              <a:t>Models are then trained via backpropagation, where the weights in the model are adjusted to minimize the error of the output.</a:t>
             </a:r>
           </a:p>
         </p:txBody>
@@ -15570,6 +15829,137 @@
               <a:rPr lang="en-US" smtClean="0"/>
               <a:pPr/>
               <a:t>20</a:t>
+            </a:fld>
+            <a:endParaRPr lang="en-US" dirty="0"/>
+          </a:p>
+        </p:txBody>
+      </p:sp>
+    </p:spTree>
+    <p:extLst>
+      <p:ext uri="{BB962C8B-B14F-4D97-AF65-F5344CB8AC3E}">
+        <p14:creationId xmlns:p14="http://schemas.microsoft.com/office/powerpoint/2010/main" val="3964937380"/>
+      </p:ext>
+    </p:extLst>
+  </p:cSld>
+  <p:clrMapOvr>
+    <a:masterClrMapping/>
+  </p:clrMapOvr>
+</p:sld>
+</file>
+
+<file path=ppt/slides/slide21.xml><?xml version="1.0" encoding="utf-8"?>
+<p:sld xmlns:a="http://schemas.openxmlformats.org/drawingml/2006/main" xmlns:r="http://schemas.openxmlformats.org/officeDocument/2006/relationships" xmlns:p="http://schemas.openxmlformats.org/presentationml/2006/main">
+  <p:cSld>
+    <p:spTree>
+      <p:nvGrpSpPr>
+        <p:cNvPr id="1" name=""/>
+        <p:cNvGrpSpPr/>
+        <p:nvPr/>
+      </p:nvGrpSpPr>
+      <p:grpSpPr>
+        <a:xfrm>
+          <a:off x="0" y="0"/>
+          <a:ext cx="0" cy="0"/>
+          <a:chOff x="0" y="0"/>
+          <a:chExt cx="0" cy="0"/>
+        </a:xfrm>
+      </p:grpSpPr>
+      <p:sp>
+        <p:nvSpPr>
+          <p:cNvPr id="2" name="Title 1">
+            <a:extLst>
+              <a:ext uri="{FF2B5EF4-FFF2-40B4-BE49-F238E27FC236}">
+                <a16:creationId xmlns:a16="http://schemas.microsoft.com/office/drawing/2014/main" id="{11883E06-8BEA-1DD3-D0D6-391C08880EBF}"/>
+              </a:ext>
+            </a:extLst>
+          </p:cNvPr>
+          <p:cNvSpPr>
+            <a:spLocks noGrp="1"/>
+          </p:cNvSpPr>
+          <p:nvPr>
+            <p:ph type="title"/>
+          </p:nvPr>
+        </p:nvSpPr>
+        <p:spPr>
+          <a:xfrm>
+            <a:off x="741680" y="430482"/>
+            <a:ext cx="10500989" cy="1327464"/>
+          </a:xfrm>
+        </p:spPr>
+        <p:txBody>
+          <a:bodyPr/>
+          <a:lstStyle/>
+          <a:p>
+            <a:r>
+              <a:rPr lang="en-US" dirty="0"/>
+              <a:t>Neural network – How do they work?</a:t>
+            </a:r>
+          </a:p>
+        </p:txBody>
+      </p:sp>
+      <p:sp>
+        <p:nvSpPr>
+          <p:cNvPr id="4" name="Content Placeholder 3">
+            <a:extLst>
+              <a:ext uri="{FF2B5EF4-FFF2-40B4-BE49-F238E27FC236}">
+                <a16:creationId xmlns:a16="http://schemas.microsoft.com/office/drawing/2014/main" id="{3770D91C-D5C0-248C-26D3-DE7C7C72E632}"/>
+              </a:ext>
+            </a:extLst>
+          </p:cNvPr>
+          <p:cNvSpPr>
+            <a:spLocks noGrp="1"/>
+          </p:cNvSpPr>
+          <p:nvPr>
+            <p:ph sz="quarter" idx="36"/>
+          </p:nvPr>
+        </p:nvSpPr>
+        <p:spPr>
+          <a:xfrm>
+            <a:off x="741680" y="5824167"/>
+            <a:ext cx="10500989" cy="365125"/>
+          </a:xfrm>
+        </p:spPr>
+        <p:txBody>
+          <a:bodyPr/>
+          <a:lstStyle/>
+          <a:p>
+            <a:r>
+              <a:rPr lang="en-US" sz="1200" dirty="0"/>
+              <a:t>https://pub.towardsai.net/building-intuition-on-the-concepts-behind-llms-like-chatgpt-part-1-4cb6654ab67</a:t>
+            </a:r>
+          </a:p>
+        </p:txBody>
+      </p:sp>
+      <p:sp>
+        <p:nvSpPr>
+          <p:cNvPr id="5" name="Slide Number Placeholder 4">
+            <a:extLst>
+              <a:ext uri="{FF2B5EF4-FFF2-40B4-BE49-F238E27FC236}">
+                <a16:creationId xmlns:a16="http://schemas.microsoft.com/office/drawing/2014/main" id="{E87B8B6A-2B28-5C38-80E7-0EBE705FFBBF}"/>
+              </a:ext>
+            </a:extLst>
+          </p:cNvPr>
+          <p:cNvSpPr>
+            <a:spLocks noGrp="1"/>
+          </p:cNvSpPr>
+          <p:nvPr>
+            <p:ph type="sldNum" sz="quarter" idx="12"/>
+          </p:nvPr>
+        </p:nvSpPr>
+        <p:spPr>
+          <a:xfrm>
+            <a:off x="9140971" y="6226198"/>
+            <a:ext cx="2743200" cy="365125"/>
+          </a:xfrm>
+        </p:spPr>
+        <p:txBody>
+          <a:bodyPr/>
+          <a:lstStyle/>
+          <a:p>
+            <a:fld id="{FE024F78-56A6-7740-B68D-8D4D026EDF3F}" type="slidenum">
+              <a:rPr lang="en-US" smtClean="0"/>
+              <a:pPr/>
+              <a:t>21</a:t>
             </a:fld>
             <a:endParaRPr lang="en-US" dirty="0"/>
           </a:p>
@@ -15635,209 +16025,6 @@
 </p:sld>
 </file>
 
-<file path=ppt/slides/slide21.xml><?xml version="1.0" encoding="utf-8"?>
-<p:sld xmlns:a="http://schemas.openxmlformats.org/drawingml/2006/main" xmlns:r="http://schemas.openxmlformats.org/officeDocument/2006/relationships" xmlns:p="http://schemas.openxmlformats.org/presentationml/2006/main">
-  <p:cSld>
-    <p:spTree>
-      <p:nvGrpSpPr>
-        <p:cNvPr id="1" name=""/>
-        <p:cNvGrpSpPr/>
-        <p:nvPr/>
-      </p:nvGrpSpPr>
-      <p:grpSpPr>
-        <a:xfrm>
-          <a:off x="0" y="0"/>
-          <a:ext cx="0" cy="0"/>
-          <a:chOff x="0" y="0"/>
-          <a:chExt cx="0" cy="0"/>
-        </a:xfrm>
-      </p:grpSpPr>
-      <p:sp>
-        <p:nvSpPr>
-          <p:cNvPr id="2" name="Title 1">
-            <a:extLst>
-              <a:ext uri="{FF2B5EF4-FFF2-40B4-BE49-F238E27FC236}">
-                <a16:creationId xmlns:a16="http://schemas.microsoft.com/office/drawing/2014/main" id="{11883E06-8BEA-1DD3-D0D6-391C08880EBF}"/>
-              </a:ext>
-            </a:extLst>
-          </p:cNvPr>
-          <p:cNvSpPr>
-            <a:spLocks noGrp="1"/>
-          </p:cNvSpPr>
-          <p:nvPr>
-            <p:ph type="title"/>
-          </p:nvPr>
-        </p:nvSpPr>
-        <p:spPr>
-          <a:xfrm>
-            <a:off x="741680" y="430482"/>
-            <a:ext cx="10500989" cy="1327464"/>
-          </a:xfrm>
-        </p:spPr>
-        <p:txBody>
-          <a:bodyPr/>
-          <a:lstStyle/>
-          <a:p>
-            <a:r>
-              <a:rPr lang="en-US" dirty="0"/>
-              <a:t>Neural network – Approach</a:t>
-            </a:r>
-          </a:p>
-        </p:txBody>
-      </p:sp>
-      <p:sp>
-        <p:nvSpPr>
-          <p:cNvPr id="4" name="Content Placeholder 3">
-            <a:extLst>
-              <a:ext uri="{FF2B5EF4-FFF2-40B4-BE49-F238E27FC236}">
-                <a16:creationId xmlns:a16="http://schemas.microsoft.com/office/drawing/2014/main" id="{3770D91C-D5C0-248C-26D3-DE7C7C72E632}"/>
-              </a:ext>
-            </a:extLst>
-          </p:cNvPr>
-          <p:cNvSpPr>
-            <a:spLocks noGrp="1"/>
-          </p:cNvSpPr>
-          <p:nvPr>
-            <p:ph sz="quarter" idx="36"/>
-          </p:nvPr>
-        </p:nvSpPr>
-        <p:spPr>
-          <a:xfrm>
-            <a:off x="741680" y="2465539"/>
-            <a:ext cx="10500989" cy="3723753"/>
-          </a:xfrm>
-        </p:spPr>
-        <p:txBody>
-          <a:bodyPr/>
-          <a:lstStyle/>
-          <a:p>
-            <a:pPr marL="285750" indent="-285750">
-              <a:buFont typeface="Arial" panose="020B0604020202020204" pitchFamily="34" charset="0"/>
-              <a:buChar char="•"/>
-            </a:pPr>
-            <a:r>
-              <a:rPr lang="en-US" dirty="0"/>
-              <a:t>To build the neural net, we needed to clean the data</a:t>
-            </a:r>
-          </a:p>
-          <a:p>
-            <a:pPr marL="569214" lvl="1"/>
-            <a:r>
-              <a:rPr lang="en-US" dirty="0"/>
-              <a:t>Needed to use numerical data, so unfortunately needed to drop certain variables that contained non-numeric data</a:t>
-            </a:r>
-          </a:p>
-          <a:p>
-            <a:pPr marL="285750" indent="-285750">
-              <a:buFont typeface="Arial" panose="020B0604020202020204" pitchFamily="34" charset="0"/>
-              <a:buChar char="•"/>
-            </a:pPr>
-            <a:r>
-              <a:rPr lang="en-US" dirty="0"/>
-              <a:t>Activation function: Combination of </a:t>
-            </a:r>
-            <a:r>
-              <a:rPr lang="en-US" dirty="0" err="1"/>
-              <a:t>ReLU</a:t>
-            </a:r>
-            <a:r>
-              <a:rPr lang="en-US" dirty="0"/>
-              <a:t> and Sigmoid</a:t>
-            </a:r>
-          </a:p>
-          <a:p>
-            <a:pPr marL="569214" lvl="1"/>
-            <a:r>
-              <a:rPr lang="en-US" dirty="0"/>
-              <a:t>Decided to use </a:t>
-            </a:r>
-            <a:r>
-              <a:rPr lang="en-US" dirty="0" err="1"/>
-              <a:t>ReLU</a:t>
-            </a:r>
-            <a:r>
-              <a:rPr lang="en-US" dirty="0"/>
-              <a:t> because this is effective for introducing non-linearity to the output</a:t>
-            </a:r>
-          </a:p>
-          <a:p>
-            <a:pPr marL="569214" lvl="1"/>
-            <a:r>
-              <a:rPr lang="en-US" dirty="0"/>
-              <a:t>Sigmoid function was used in the output layer for our binary classification (potentially hazardous asteroid yes/no)</a:t>
-            </a:r>
-          </a:p>
-          <a:p>
-            <a:pPr marL="285750" indent="-285750">
-              <a:buFont typeface="Arial" panose="020B0604020202020204" pitchFamily="34" charset="0"/>
-              <a:buChar char="•"/>
-            </a:pPr>
-            <a:r>
-              <a:rPr lang="en-US" dirty="0"/>
-              <a:t>Backpropagation technique: Binary Cross-Entropy Loss</a:t>
-            </a:r>
-          </a:p>
-          <a:p>
-            <a:pPr marL="569214" lvl="1"/>
-            <a:r>
-              <a:rPr lang="en-US" dirty="0"/>
-              <a:t>This loss function is most appropriate for binary classification tasks like ours</a:t>
-            </a:r>
-          </a:p>
-          <a:p>
-            <a:pPr marL="285750"/>
-            <a:endParaRPr lang="en-US" dirty="0"/>
-          </a:p>
-        </p:txBody>
-      </p:sp>
-      <p:sp>
-        <p:nvSpPr>
-          <p:cNvPr id="5" name="Slide Number Placeholder 4">
-            <a:extLst>
-              <a:ext uri="{FF2B5EF4-FFF2-40B4-BE49-F238E27FC236}">
-                <a16:creationId xmlns:a16="http://schemas.microsoft.com/office/drawing/2014/main" id="{E87B8B6A-2B28-5C38-80E7-0EBE705FFBBF}"/>
-              </a:ext>
-            </a:extLst>
-          </p:cNvPr>
-          <p:cNvSpPr>
-            <a:spLocks noGrp="1"/>
-          </p:cNvSpPr>
-          <p:nvPr>
-            <p:ph type="sldNum" sz="quarter" idx="12"/>
-          </p:nvPr>
-        </p:nvSpPr>
-        <p:spPr>
-          <a:xfrm>
-            <a:off x="9140971" y="6226198"/>
-            <a:ext cx="2743200" cy="365125"/>
-          </a:xfrm>
-        </p:spPr>
-        <p:txBody>
-          <a:bodyPr/>
-          <a:lstStyle/>
-          <a:p>
-            <a:fld id="{FE024F78-56A6-7740-B68D-8D4D026EDF3F}" type="slidenum">
-              <a:rPr lang="en-US" smtClean="0"/>
-              <a:pPr/>
-              <a:t>21</a:t>
-            </a:fld>
-            <a:endParaRPr lang="en-US" dirty="0"/>
-          </a:p>
-        </p:txBody>
-      </p:sp>
-    </p:spTree>
-    <p:extLst>
-      <p:ext uri="{BB962C8B-B14F-4D97-AF65-F5344CB8AC3E}">
-        <p14:creationId xmlns:p14="http://schemas.microsoft.com/office/powerpoint/2010/main" val="3663800183"/>
-      </p:ext>
-    </p:extLst>
-  </p:cSld>
-  <p:clrMapOvr>
-    <a:masterClrMapping/>
-  </p:clrMapOvr>
-</p:sld>
-</file>
-
 <file path=ppt/slides/slide22.xml><?xml version="1.0" encoding="utf-8"?>
 <p:sld xmlns:a="http://schemas.openxmlformats.org/drawingml/2006/main" xmlns:r="http://schemas.openxmlformats.org/officeDocument/2006/relationships" xmlns:p="http://schemas.openxmlformats.org/presentationml/2006/main">
   <p:cSld>
@@ -15883,7 +16070,7 @@
           <a:p>
             <a:r>
               <a:rPr lang="en-US" dirty="0"/>
-              <a:t>Neural network – Results and Considerations</a:t>
+              <a:t>Neural network – Approach</a:t>
             </a:r>
           </a:p>
         </p:txBody>
@@ -15914,64 +16101,77 @@
           <a:bodyPr/>
           <a:lstStyle/>
           <a:p>
-            <a:pPr marL="571500" indent="-285750">
-              <a:buClr>
-                <a:schemeClr val="accent3">
-                  <a:lumMod val="75000"/>
-                </a:schemeClr>
-              </a:buClr>
+            <a:pPr marL="285750" indent="-285750">
               <a:buFont typeface="Arial" panose="020B0604020202020204" pitchFamily="34" charset="0"/>
               <a:buChar char="•"/>
             </a:pPr>
             <a:r>
-              <a:rPr lang="en-US" dirty="0">
-                <a:cs typeface="+mn-cs"/>
-              </a:rPr>
-              <a:t>Model Results: Accuracy of 93%</a:t>
-            </a:r>
-          </a:p>
-          <a:p>
-            <a:pPr marL="854964" lvl="1"/>
-            <a:r>
-              <a:rPr lang="en-US" dirty="0">
-                <a:cs typeface="+mn-cs"/>
-              </a:rPr>
-              <a:t>For our data, simpler models worked better (discussed in further detail later).</a:t>
-            </a:r>
-          </a:p>
-          <a:p>
-            <a:pPr marL="854964" lvl="1"/>
-            <a:endParaRPr lang="en-US" dirty="0"/>
-          </a:p>
-          <a:p>
-            <a:pPr marL="854964" lvl="1"/>
-            <a:endParaRPr lang="en-US" dirty="0">
-              <a:cs typeface="+mn-cs"/>
-            </a:endParaRPr>
+              <a:rPr lang="en-US" dirty="0"/>
+              <a:t>To build the neural net, we needed to clean the data</a:t>
+            </a:r>
           </a:p>
           <a:p>
             <a:pPr marL="569214" lvl="1"/>
             <a:r>
               <a:rPr lang="en-US" dirty="0"/>
-              <a:t>Other considerations</a:t>
-            </a:r>
-          </a:p>
-          <a:p>
-            <a:pPr marL="852678" lvl="2"/>
+              <a:t>Needed to use numerical data, so unfortunately needed to drop certain variables that contained non-numeric data</a:t>
+            </a:r>
+          </a:p>
+          <a:p>
+            <a:pPr marL="285750" indent="-285750">
+              <a:buFont typeface="Arial" panose="020B0604020202020204" pitchFamily="34" charset="0"/>
+              <a:buChar char="•"/>
+            </a:pPr>
+            <a:r>
+              <a:rPr lang="en-US" dirty="0"/>
+              <a:t>Activation function: Combination of </a:t>
+            </a:r>
             <a:r>
               <a:rPr lang="en-US" dirty="0" err="1"/>
-              <a:t>PyTorch</a:t>
+              <a:t>ReLU</a:t>
             </a:r>
             <a:r>
               <a:rPr lang="en-US" dirty="0"/>
-              <a:t> vs TensorFlow</a:t>
-            </a:r>
-          </a:p>
-          <a:p>
-            <a:pPr marL="852678" lvl="2"/>
+              <a:t> and Sigmoid</a:t>
+            </a:r>
+          </a:p>
+          <a:p>
+            <a:pPr marL="569214" lvl="1"/>
             <a:r>
               <a:rPr lang="en-US" dirty="0"/>
-              <a:t>Other activation functions, loss functions</a:t>
+              <a:t>Decided to use </a:t>
+            </a:r>
+            <a:r>
+              <a:rPr lang="en-US" dirty="0" err="1"/>
+              <a:t>ReLU</a:t>
+            </a:r>
+            <a:r>
+              <a:rPr lang="en-US" dirty="0"/>
+              <a:t> because this is effective for introducing non-linearity to the output</a:t>
+            </a:r>
+          </a:p>
+          <a:p>
+            <a:pPr marL="569214" lvl="1"/>
+            <a:r>
+              <a:rPr lang="en-US" dirty="0"/>
+              <a:t>Sigmoid function was used in the output layer for our binary classification (potentially hazardous asteroid yes/no)</a:t>
+            </a:r>
+          </a:p>
+          <a:p>
+            <a:pPr marL="285750" indent="-285750">
+              <a:buFont typeface="Arial" panose="020B0604020202020204" pitchFamily="34" charset="0"/>
+              <a:buChar char="•"/>
+            </a:pPr>
+            <a:r>
+              <a:rPr lang="en-US" dirty="0"/>
+              <a:t>Backpropagation technique: Binary Cross-Entropy Loss</a:t>
+            </a:r>
+          </a:p>
+          <a:p>
+            <a:pPr marL="569214" lvl="1"/>
+            <a:r>
+              <a:rPr lang="en-US" dirty="0"/>
+              <a:t>This loss function is most appropriate for binary classification tasks like ours</a:t>
             </a:r>
           </a:p>
           <a:p>
@@ -16010,6 +16210,196 @@
               <a:rPr lang="en-US" smtClean="0"/>
               <a:pPr/>
               <a:t>22</a:t>
+            </a:fld>
+            <a:endParaRPr lang="en-US" dirty="0"/>
+          </a:p>
+        </p:txBody>
+      </p:sp>
+    </p:spTree>
+    <p:extLst>
+      <p:ext uri="{BB962C8B-B14F-4D97-AF65-F5344CB8AC3E}">
+        <p14:creationId xmlns:p14="http://schemas.microsoft.com/office/powerpoint/2010/main" val="3663800183"/>
+      </p:ext>
+    </p:extLst>
+  </p:cSld>
+  <p:clrMapOvr>
+    <a:masterClrMapping/>
+  </p:clrMapOvr>
+</p:sld>
+</file>
+
+<file path=ppt/slides/slide23.xml><?xml version="1.0" encoding="utf-8"?>
+<p:sld xmlns:a="http://schemas.openxmlformats.org/drawingml/2006/main" xmlns:r="http://schemas.openxmlformats.org/officeDocument/2006/relationships" xmlns:p="http://schemas.openxmlformats.org/presentationml/2006/main">
+  <p:cSld>
+    <p:spTree>
+      <p:nvGrpSpPr>
+        <p:cNvPr id="1" name=""/>
+        <p:cNvGrpSpPr/>
+        <p:nvPr/>
+      </p:nvGrpSpPr>
+      <p:grpSpPr>
+        <a:xfrm>
+          <a:off x="0" y="0"/>
+          <a:ext cx="0" cy="0"/>
+          <a:chOff x="0" y="0"/>
+          <a:chExt cx="0" cy="0"/>
+        </a:xfrm>
+      </p:grpSpPr>
+      <p:sp>
+        <p:nvSpPr>
+          <p:cNvPr id="2" name="Title 1">
+            <a:extLst>
+              <a:ext uri="{FF2B5EF4-FFF2-40B4-BE49-F238E27FC236}">
+                <a16:creationId xmlns:a16="http://schemas.microsoft.com/office/drawing/2014/main" id="{11883E06-8BEA-1DD3-D0D6-391C08880EBF}"/>
+              </a:ext>
+            </a:extLst>
+          </p:cNvPr>
+          <p:cNvSpPr>
+            <a:spLocks noGrp="1"/>
+          </p:cNvSpPr>
+          <p:nvPr>
+            <p:ph type="title"/>
+          </p:nvPr>
+        </p:nvSpPr>
+        <p:spPr>
+          <a:xfrm>
+            <a:off x="741680" y="430482"/>
+            <a:ext cx="10500989" cy="1327464"/>
+          </a:xfrm>
+        </p:spPr>
+        <p:txBody>
+          <a:bodyPr/>
+          <a:lstStyle/>
+          <a:p>
+            <a:r>
+              <a:rPr lang="en-US" dirty="0"/>
+              <a:t>Neural network – Results and Considerations</a:t>
+            </a:r>
+          </a:p>
+        </p:txBody>
+      </p:sp>
+      <p:sp>
+        <p:nvSpPr>
+          <p:cNvPr id="4" name="Content Placeholder 3">
+            <a:extLst>
+              <a:ext uri="{FF2B5EF4-FFF2-40B4-BE49-F238E27FC236}">
+                <a16:creationId xmlns:a16="http://schemas.microsoft.com/office/drawing/2014/main" id="{3770D91C-D5C0-248C-26D3-DE7C7C72E632}"/>
+              </a:ext>
+            </a:extLst>
+          </p:cNvPr>
+          <p:cNvSpPr>
+            <a:spLocks noGrp="1"/>
+          </p:cNvSpPr>
+          <p:nvPr>
+            <p:ph sz="quarter" idx="36"/>
+          </p:nvPr>
+        </p:nvSpPr>
+        <p:spPr>
+          <a:xfrm>
+            <a:off x="741680" y="2465539"/>
+            <a:ext cx="10500989" cy="3723753"/>
+          </a:xfrm>
+        </p:spPr>
+        <p:txBody>
+          <a:bodyPr/>
+          <a:lstStyle/>
+          <a:p>
+            <a:pPr marL="571500" indent="-285750">
+              <a:buClr>
+                <a:schemeClr val="accent3">
+                  <a:lumMod val="75000"/>
+                </a:schemeClr>
+              </a:buClr>
+              <a:buFont typeface="Arial" panose="020B0604020202020204" pitchFamily="34" charset="0"/>
+              <a:buChar char="•"/>
+            </a:pPr>
+            <a:r>
+              <a:rPr lang="en-US" dirty="0">
+                <a:cs typeface="+mn-cs"/>
+              </a:rPr>
+              <a:t>Model Results: Accuracy of 93%</a:t>
+            </a:r>
+          </a:p>
+          <a:p>
+            <a:pPr marL="854964" lvl="1"/>
+            <a:r>
+              <a:rPr lang="en-US" dirty="0">
+                <a:cs typeface="+mn-cs"/>
+              </a:rPr>
+              <a:t>For our data, simpler models worked better (discussed in further detail later).</a:t>
+            </a:r>
+          </a:p>
+          <a:p>
+            <a:pPr marL="854964" lvl="1"/>
+            <a:endParaRPr lang="en-US" dirty="0"/>
+          </a:p>
+          <a:p>
+            <a:pPr marL="854964" lvl="1"/>
+            <a:endParaRPr lang="en-US" dirty="0">
+              <a:cs typeface="+mn-cs"/>
+            </a:endParaRPr>
+          </a:p>
+          <a:p>
+            <a:pPr marL="569214" lvl="1"/>
+            <a:r>
+              <a:rPr lang="en-US" dirty="0"/>
+              <a:t>Other considerations</a:t>
+            </a:r>
+          </a:p>
+          <a:p>
+            <a:pPr marL="852678" lvl="2"/>
+            <a:r>
+              <a:rPr lang="en-US" dirty="0" err="1"/>
+              <a:t>PyTorch</a:t>
+            </a:r>
+            <a:r>
+              <a:rPr lang="en-US" dirty="0"/>
+              <a:t> vs TensorFlow</a:t>
+            </a:r>
+          </a:p>
+          <a:p>
+            <a:pPr marL="852678" lvl="2"/>
+            <a:r>
+              <a:rPr lang="en-US" dirty="0"/>
+              <a:t>Other activation functions, loss functions</a:t>
+            </a:r>
+          </a:p>
+          <a:p>
+            <a:pPr marL="285750"/>
+            <a:endParaRPr lang="en-US" dirty="0"/>
+          </a:p>
+        </p:txBody>
+      </p:sp>
+      <p:sp>
+        <p:nvSpPr>
+          <p:cNvPr id="5" name="Slide Number Placeholder 4">
+            <a:extLst>
+              <a:ext uri="{FF2B5EF4-FFF2-40B4-BE49-F238E27FC236}">
+                <a16:creationId xmlns:a16="http://schemas.microsoft.com/office/drawing/2014/main" id="{E87B8B6A-2B28-5C38-80E7-0EBE705FFBBF}"/>
+              </a:ext>
+            </a:extLst>
+          </p:cNvPr>
+          <p:cNvSpPr>
+            <a:spLocks noGrp="1"/>
+          </p:cNvSpPr>
+          <p:nvPr>
+            <p:ph type="sldNum" sz="quarter" idx="12"/>
+          </p:nvPr>
+        </p:nvSpPr>
+        <p:spPr>
+          <a:xfrm>
+            <a:off x="9140971" y="6226198"/>
+            <a:ext cx="2743200" cy="365125"/>
+          </a:xfrm>
+        </p:spPr>
+        <p:txBody>
+          <a:bodyPr/>
+          <a:lstStyle/>
+          <a:p>
+            <a:fld id="{FE024F78-56A6-7740-B68D-8D4D026EDF3F}" type="slidenum">
+              <a:rPr lang="en-US" smtClean="0"/>
+              <a:pPr/>
+              <a:t>23</a:t>
             </a:fld>
             <a:endParaRPr lang="en-US" dirty="0"/>
           </a:p>
@@ -16058,7 +16448,7 @@
 </p:sld>
 </file>
 
-<file path=ppt/slides/slide23.xml><?xml version="1.0" encoding="utf-8"?>
+<file path=ppt/slides/slide24.xml><?xml version="1.0" encoding="utf-8"?>
 <p:sld xmlns:a="http://schemas.openxmlformats.org/drawingml/2006/main" xmlns:r="http://schemas.openxmlformats.org/officeDocument/2006/relationships" xmlns:p="http://schemas.openxmlformats.org/presentationml/2006/main">
   <p:cSld>
     <p:spTree>
@@ -16213,7 +16603,7 @@
 </p:sld>
 </file>
 
-<file path=ppt/slides/slide24.xml><?xml version="1.0" encoding="utf-8"?>
+<file path=ppt/slides/slide25.xml><?xml version="1.0" encoding="utf-8"?>
 <p:sld xmlns:a="http://schemas.openxmlformats.org/drawingml/2006/main" xmlns:r="http://schemas.openxmlformats.org/officeDocument/2006/relationships" xmlns:p="http://schemas.openxmlformats.org/presentationml/2006/main">
   <p:cSld>
     <p:spTree>
@@ -17593,7 +17983,7 @@
 </p:sld>
 </file>
 
-<file path=ppt/slides/slide25.xml><?xml version="1.0" encoding="utf-8"?>
+<file path=ppt/slides/slide26.xml><?xml version="1.0" encoding="utf-8"?>
 <p:sld xmlns:a="http://schemas.openxmlformats.org/drawingml/2006/main" xmlns:r="http://schemas.openxmlformats.org/officeDocument/2006/relationships" xmlns:p="http://schemas.openxmlformats.org/presentationml/2006/main">
   <p:cSld>
     <p:spTree>
@@ -17726,7 +18116,7 @@
             <a:fld id="{FE024F78-56A6-7740-B68D-8D4D026EDF3F}" type="slidenum">
               <a:rPr lang="en-US" smtClean="0"/>
               <a:pPr/>
-              <a:t>25</a:t>
+              <a:t>26</a:t>
             </a:fld>
             <a:endParaRPr lang="en-US" dirty="0"/>
           </a:p>
@@ -17745,7 +18135,7 @@
 </p:sld>
 </file>
 
-<file path=ppt/slides/slide26.xml><?xml version="1.0" encoding="utf-8"?>
+<file path=ppt/slides/slide27.xml><?xml version="1.0" encoding="utf-8"?>
 <p:sld xmlns:a="http://schemas.openxmlformats.org/drawingml/2006/main" xmlns:r="http://schemas.openxmlformats.org/officeDocument/2006/relationships" xmlns:p="http://schemas.openxmlformats.org/presentationml/2006/main">
   <p:cSld>
     <p:spTree>
@@ -17983,7 +18373,7 @@
             <a:fld id="{FE024F78-56A6-7740-B68D-8D4D026EDF3F}" type="slidenum">
               <a:rPr lang="en-US" smtClean="0"/>
               <a:pPr/>
-              <a:t>26</a:t>
+              <a:t>27</a:t>
             </a:fld>
             <a:endParaRPr lang="en-US" dirty="0"/>
           </a:p>
@@ -18002,7 +18392,7 @@
 </p:sld>
 </file>
 
-<file path=ppt/slides/slide27.xml><?xml version="1.0" encoding="utf-8"?>
+<file path=ppt/slides/slide28.xml><?xml version="1.0" encoding="utf-8"?>
 <p:sld xmlns:a="http://schemas.openxmlformats.org/drawingml/2006/main" xmlns:r="http://schemas.openxmlformats.org/officeDocument/2006/relationships" xmlns:p="http://schemas.openxmlformats.org/presentationml/2006/main">
   <p:cSld>
     <p:bg>
@@ -24968,6 +25358,26 @@
 </file>
 
 <file path=customXml/item2.xml><?xml version="1.0" encoding="utf-8"?>
+<p:properties xmlns:p="http://schemas.microsoft.com/office/2006/metadata/properties" xmlns:xsi="http://www.w3.org/2001/XMLSchema-instance" xmlns:pc="http://schemas.microsoft.com/office/infopath/2007/PartnerControls">
+  <documentManagement>
+    <_ip_UnifiedCompliancePolicyUIAction xmlns="http://schemas.microsoft.com/sharepoint/v3" xsi:nil="true"/>
+    <Image xmlns="71af3243-3dd4-4a8d-8c0d-dd76da1f02a5">
+      <Url xsi:nil="true"/>
+      <Description xsi:nil="true"/>
+    </Image>
+    <Status xmlns="71af3243-3dd4-4a8d-8c0d-dd76da1f02a5">Not started</Status>
+    <Background xmlns="71af3243-3dd4-4a8d-8c0d-dd76da1f02a5">false</Background>
+    <_ip_UnifiedCompliancePolicyProperties xmlns="http://schemas.microsoft.com/sharepoint/v3" xsi:nil="true"/>
+    <ImageTagsTaxHTField xmlns="71af3243-3dd4-4a8d-8c0d-dd76da1f02a5">
+      <Terms xmlns="http://schemas.microsoft.com/office/infopath/2007/PartnerControls"/>
+    </ImageTagsTaxHTField>
+    <TaxCatchAll xmlns="230e9df3-be65-4c73-a93b-d1236ebd677e" xsi:nil="true"/>
+    <MediaServiceKeyPoints xmlns="71af3243-3dd4-4a8d-8c0d-dd76da1f02a5" xsi:nil="true"/>
+  </documentManagement>
+</p:properties>
+</file>
+
+<file path=customXml/item3.xml><?xml version="1.0" encoding="utf-8"?>
 <ct:contentTypeSchema xmlns:ct="http://schemas.microsoft.com/office/2006/metadata/contentType" xmlns:ma="http://schemas.microsoft.com/office/2006/metadata/properties/metaAttributes" ct:_="" ma:_="" ma:contentTypeName="Document" ma:contentTypeID="0x01010079F111ED35F8CC479449609E8A0923A6" ma:contentTypeVersion="28" ma:contentTypeDescription="Create a new document." ma:contentTypeScope="" ma:versionID="60f5a4f2d2b0abadcf532d48ebf9cb71">
   <xsd:schema xmlns:xsd="http://www.w3.org/2001/XMLSchema" xmlns:xs="http://www.w3.org/2001/XMLSchema" xmlns:p="http://schemas.microsoft.com/office/2006/metadata/properties" xmlns:ns1="http://schemas.microsoft.com/sharepoint/v3" xmlns:ns2="71af3243-3dd4-4a8d-8c0d-dd76da1f02a5" xmlns:ns3="16c05727-aa75-4e4a-9b5f-8a80a1165891" xmlns:ns4="230e9df3-be65-4c73-a93b-d1236ebd677e" targetNamespace="http://schemas.microsoft.com/office/2006/metadata/properties" ma:root="true" ma:fieldsID="7dd78129e6a1811f84807ad11c651531" ns1:_="" ns2:_="" ns3:_="" ns4:_="">
     <xsd:import namespace="http://schemas.microsoft.com/sharepoint/v3"/>
@@ -25279,26 +25689,6 @@
 </ct:contentTypeSchema>
 </file>
 
-<file path=customXml/item3.xml><?xml version="1.0" encoding="utf-8"?>
-<p:properties xmlns:p="http://schemas.microsoft.com/office/2006/metadata/properties" xmlns:xsi="http://www.w3.org/2001/XMLSchema-instance" xmlns:pc="http://schemas.microsoft.com/office/infopath/2007/PartnerControls">
-  <documentManagement>
-    <_ip_UnifiedCompliancePolicyUIAction xmlns="http://schemas.microsoft.com/sharepoint/v3" xsi:nil="true"/>
-    <Image xmlns="71af3243-3dd4-4a8d-8c0d-dd76da1f02a5">
-      <Url xsi:nil="true"/>
-      <Description xsi:nil="true"/>
-    </Image>
-    <Status xmlns="71af3243-3dd4-4a8d-8c0d-dd76da1f02a5">Not started</Status>
-    <Background xmlns="71af3243-3dd4-4a8d-8c0d-dd76da1f02a5">false</Background>
-    <_ip_UnifiedCompliancePolicyProperties xmlns="http://schemas.microsoft.com/sharepoint/v3" xsi:nil="true"/>
-    <ImageTagsTaxHTField xmlns="71af3243-3dd4-4a8d-8c0d-dd76da1f02a5">
-      <Terms xmlns="http://schemas.microsoft.com/office/infopath/2007/PartnerControls"/>
-    </ImageTagsTaxHTField>
-    <TaxCatchAll xmlns="230e9df3-be65-4c73-a93b-d1236ebd677e" xsi:nil="true"/>
-    <MediaServiceKeyPoints xmlns="71af3243-3dd4-4a8d-8c0d-dd76da1f02a5" xsi:nil="true"/>
-  </documentManagement>
-</p:properties>
-</file>
-
 <file path=customXml/itemProps1.xml><?xml version="1.0" encoding="utf-8"?>
 <ds:datastoreItem xmlns:ds="http://schemas.openxmlformats.org/officeDocument/2006/customXml" ds:itemID="{44137456-21FC-4AE2-8A94-BF06CAF2EB9B}">
   <ds:schemaRefs>
@@ -25308,6 +25698,25 @@
 </file>
 
 <file path=customXml/itemProps2.xml><?xml version="1.0" encoding="utf-8"?>
+<ds:datastoreItem xmlns:ds="http://schemas.openxmlformats.org/officeDocument/2006/customXml" ds:itemID="{E305301E-11B3-4B9D-A588-21F3C9809371}">
+  <ds:schemaRefs>
+    <ds:schemaRef ds:uri="http://schemas.microsoft.com/office/2006/documentManagement/types"/>
+    <ds:schemaRef ds:uri="http://schemas.microsoft.com/office/infopath/2007/PartnerControls"/>
+    <ds:schemaRef ds:uri="http://purl.org/dc/elements/1.1/"/>
+    <ds:schemaRef ds:uri="http://schemas.microsoft.com/office/2006/metadata/properties"/>
+    <ds:schemaRef ds:uri="http://schemas.microsoft.com/sharepoint/v3"/>
+    <ds:schemaRef ds:uri="230e9df3-be65-4c73-a93b-d1236ebd677e"/>
+    <ds:schemaRef ds:uri="http://purl.org/dc/terms/"/>
+    <ds:schemaRef ds:uri="http://schemas.openxmlformats.org/package/2006/metadata/core-properties"/>
+    <ds:schemaRef ds:uri="16c05727-aa75-4e4a-9b5f-8a80a1165891"/>
+    <ds:schemaRef ds:uri="71af3243-3dd4-4a8d-8c0d-dd76da1f02a5"/>
+    <ds:schemaRef ds:uri="http://www.w3.org/XML/1998/namespace"/>
+    <ds:schemaRef ds:uri="http://purl.org/dc/dcmitype/"/>
+  </ds:schemaRefs>
+</ds:datastoreItem>
+</file>
+
+<file path=customXml/itemProps3.xml><?xml version="1.0" encoding="utf-8"?>
 <ds:datastoreItem xmlns:ds="http://schemas.openxmlformats.org/officeDocument/2006/customXml" ds:itemID="{C77B561B-3A65-4A22-9691-EB838E7F9B87}">
   <ds:schemaRefs>
     <ds:schemaRef ds:uri="http://schemas.microsoft.com/office/2006/metadata/contentType"/>
@@ -25328,25 +25737,6 @@
 </ds:datastoreItem>
 </file>
 
-<file path=customXml/itemProps3.xml><?xml version="1.0" encoding="utf-8"?>
-<ds:datastoreItem xmlns:ds="http://schemas.openxmlformats.org/officeDocument/2006/customXml" ds:itemID="{E305301E-11B3-4B9D-A588-21F3C9809371}">
-  <ds:schemaRefs>
-    <ds:schemaRef ds:uri="http://schemas.microsoft.com/office/2006/documentManagement/types"/>
-    <ds:schemaRef ds:uri="http://schemas.microsoft.com/office/infopath/2007/PartnerControls"/>
-    <ds:schemaRef ds:uri="http://purl.org/dc/elements/1.1/"/>
-    <ds:schemaRef ds:uri="http://schemas.microsoft.com/office/2006/metadata/properties"/>
-    <ds:schemaRef ds:uri="http://schemas.microsoft.com/sharepoint/v3"/>
-    <ds:schemaRef ds:uri="230e9df3-be65-4c73-a93b-d1236ebd677e"/>
-    <ds:schemaRef ds:uri="http://purl.org/dc/terms/"/>
-    <ds:schemaRef ds:uri="http://schemas.openxmlformats.org/package/2006/metadata/core-properties"/>
-    <ds:schemaRef ds:uri="16c05727-aa75-4e4a-9b5f-8a80a1165891"/>
-    <ds:schemaRef ds:uri="71af3243-3dd4-4a8d-8c0d-dd76da1f02a5"/>
-    <ds:schemaRef ds:uri="http://www.w3.org/XML/1998/namespace"/>
-    <ds:schemaRef ds:uri="http://purl.org/dc/dcmitype/"/>
-  </ds:schemaRefs>
-</ds:datastoreItem>
-</file>
-
 <file path=docMetadata/LabelInfo.xml><?xml version="1.0" encoding="utf-8"?>
 <clbl:labelList xmlns:clbl="http://schemas.microsoft.com/office/2020/mipLabelMetadata"/>
 </file>